--- a/docs/CommonAnyFluid/Examples/Thermodynamics/makeFig_Thermodynamics.pptx
+++ b/docs/CommonAnyFluid/Examples/Thermodynamics/makeFig_Thermodynamics.pptx
@@ -6,8 +6,12 @@
   </p:sldMasterIdLst>
   <p:sldIdLst>
     <p:sldId id="256" r:id="rId2"/>
-    <p:sldId id="257" r:id="rId3"/>
-    <p:sldId id="258" r:id="rId4"/>
+    <p:sldId id="259" r:id="rId3"/>
+    <p:sldId id="260" r:id="rId4"/>
+    <p:sldId id="257" r:id="rId5"/>
+    <p:sldId id="261" r:id="rId6"/>
+    <p:sldId id="262" r:id="rId7"/>
+    <p:sldId id="258" r:id="rId8"/>
   </p:sldIdLst>
   <p:sldSz cx="12192000" cy="6858000"/>
   <p:notesSz cx="6858000" cy="9144000"/>
@@ -112,11 +116,15 @@
         <p14:section name="LenoirCycleIdeal00_ex03" id="{566DD133-F7C1-406F-AB02-2082EFA59B94}">
           <p14:sldIdLst>
             <p14:sldId id="256"/>
+            <p14:sldId id="259"/>
+            <p14:sldId id="260"/>
           </p14:sldIdLst>
         </p14:section>
         <p14:section name="LenoirCycleIdeal00_ex01" id="{E1FB0449-109C-4571-8A0A-1919BAFBF182}">
           <p14:sldIdLst>
             <p14:sldId id="257"/>
+            <p14:sldId id="261"/>
+            <p14:sldId id="262"/>
           </p14:sldIdLst>
         </p14:section>
         <p14:section name="タイトルなしのセクション" id="{D0EC9108-F836-40B7-A975-6D142E518F2C}">
@@ -125,6 +133,9 @@
           </p14:sldIdLst>
         </p14:section>
       </p14:sectionLst>
+    </p:ext>
+    <p:ext uri="{EFAFB233-063F-42B5-8137-9DF3F51BA10A}">
+      <p15:sldGuideLst xmlns:p15="http://schemas.microsoft.com/office/powerpoint/2012/main"/>
     </p:ext>
   </p:extLst>
 </p:presentation>
@@ -3697,6 +3708,1398 @@
           <p:cNvPr id="3" name="図 2">
             <a:extLst>
               <a:ext uri="{FF2B5EF4-FFF2-40B4-BE49-F238E27FC236}">
+                <a16:creationId xmlns:a16="http://schemas.microsoft.com/office/drawing/2014/main" id="{EB1FB245-3E95-424C-9F2C-FE9ADCE8F0E6}"/>
+              </a:ext>
+            </a:extLst>
+          </p:cNvPr>
+          <p:cNvPicPr>
+            <a:picLocks noChangeAspect="1"/>
+          </p:cNvPicPr>
+          <p:nvPr/>
+        </p:nvPicPr>
+        <p:blipFill>
+          <a:blip r:embed="rId2">
+            <a:extLst>
+              <a:ext uri="{28A0092B-C50C-407E-A947-70E740481C1C}">
+                <a14:useLocalDpi xmlns:a14="http://schemas.microsoft.com/office/drawing/2010/main" val="0"/>
+              </a:ext>
+            </a:extLst>
+          </a:blip>
+          <a:stretch>
+            <a:fillRect/>
+          </a:stretch>
+        </p:blipFill>
+        <p:spPr>
+          <a:xfrm>
+            <a:off x="2513717" y="0"/>
+            <a:ext cx="7164566" cy="6858000"/>
+          </a:xfrm>
+          <a:prstGeom prst="rect">
+            <a:avLst/>
+          </a:prstGeom>
+        </p:spPr>
+      </p:pic>
+      <p:sp>
+        <p:nvSpPr>
+          <p:cNvPr id="4" name="フリーフォーム: 図形 3">
+            <a:extLst>
+              <a:ext uri="{FF2B5EF4-FFF2-40B4-BE49-F238E27FC236}">
+                <a16:creationId xmlns:a16="http://schemas.microsoft.com/office/drawing/2014/main" id="{70743391-C027-494A-B690-862D638079D8}"/>
+              </a:ext>
+            </a:extLst>
+          </p:cNvPr>
+          <p:cNvSpPr/>
+          <p:nvPr/>
+        </p:nvSpPr>
+        <p:spPr>
+          <a:xfrm>
+            <a:off x="3574564" y="538640"/>
+            <a:ext cx="5737890" cy="5578864"/>
+          </a:xfrm>
+          <a:custGeom>
+            <a:avLst/>
+            <a:gdLst>
+              <a:gd name="connsiteX0" fmla="*/ 0 w 5756744"/>
+              <a:gd name="connsiteY0" fmla="*/ 5597718 h 5597718"/>
+              <a:gd name="connsiteX1" fmla="*/ 1367624 w 5756744"/>
+              <a:gd name="connsiteY1" fmla="*/ 4611757 h 5597718"/>
+              <a:gd name="connsiteX2" fmla="*/ 3729161 w 5756744"/>
+              <a:gd name="connsiteY2" fmla="*/ 2544418 h 5597718"/>
+              <a:gd name="connsiteX3" fmla="*/ 4969565 w 5756744"/>
+              <a:gd name="connsiteY3" fmla="*/ 1160891 h 5597718"/>
+              <a:gd name="connsiteX4" fmla="*/ 5756744 w 5756744"/>
+              <a:gd name="connsiteY4" fmla="*/ 0 h 5597718"/>
+              <a:gd name="connsiteX0" fmla="*/ 0 w 5766171"/>
+              <a:gd name="connsiteY0" fmla="*/ 5560011 h 5560011"/>
+              <a:gd name="connsiteX1" fmla="*/ 1367624 w 5766171"/>
+              <a:gd name="connsiteY1" fmla="*/ 4574050 h 5560011"/>
+              <a:gd name="connsiteX2" fmla="*/ 3729161 w 5766171"/>
+              <a:gd name="connsiteY2" fmla="*/ 2506711 h 5560011"/>
+              <a:gd name="connsiteX3" fmla="*/ 4969565 w 5766171"/>
+              <a:gd name="connsiteY3" fmla="*/ 1123184 h 5560011"/>
+              <a:gd name="connsiteX4" fmla="*/ 5766171 w 5766171"/>
+              <a:gd name="connsiteY4" fmla="*/ 0 h 5560011"/>
+              <a:gd name="connsiteX0" fmla="*/ 0 w 5766171"/>
+              <a:gd name="connsiteY0" fmla="*/ 5560011 h 5560011"/>
+              <a:gd name="connsiteX1" fmla="*/ 1367624 w 5766171"/>
+              <a:gd name="connsiteY1" fmla="*/ 4574050 h 5560011"/>
+              <a:gd name="connsiteX2" fmla="*/ 3729161 w 5766171"/>
+              <a:gd name="connsiteY2" fmla="*/ 2506711 h 5560011"/>
+              <a:gd name="connsiteX3" fmla="*/ 4875297 w 5766171"/>
+              <a:gd name="connsiteY3" fmla="*/ 1283439 h 5560011"/>
+              <a:gd name="connsiteX4" fmla="*/ 5766171 w 5766171"/>
+              <a:gd name="connsiteY4" fmla="*/ 0 h 5560011"/>
+              <a:gd name="connsiteX0" fmla="*/ 0 w 5766171"/>
+              <a:gd name="connsiteY0" fmla="*/ 5560011 h 5560011"/>
+              <a:gd name="connsiteX1" fmla="*/ 1367624 w 5766171"/>
+              <a:gd name="connsiteY1" fmla="*/ 4574050 h 5560011"/>
+              <a:gd name="connsiteX2" fmla="*/ 3672600 w 5766171"/>
+              <a:gd name="connsiteY2" fmla="*/ 2638686 h 5560011"/>
+              <a:gd name="connsiteX3" fmla="*/ 4875297 w 5766171"/>
+              <a:gd name="connsiteY3" fmla="*/ 1283439 h 5560011"/>
+              <a:gd name="connsiteX4" fmla="*/ 5766171 w 5766171"/>
+              <a:gd name="connsiteY4" fmla="*/ 0 h 5560011"/>
+              <a:gd name="connsiteX0" fmla="*/ 0 w 5766171"/>
+              <a:gd name="connsiteY0" fmla="*/ 5560011 h 5560011"/>
+              <a:gd name="connsiteX1" fmla="*/ 1367624 w 5766171"/>
+              <a:gd name="connsiteY1" fmla="*/ 4574050 h 5560011"/>
+              <a:gd name="connsiteX2" fmla="*/ 2515153 w 5766171"/>
+              <a:gd name="connsiteY2" fmla="*/ 3618582 h 5560011"/>
+              <a:gd name="connsiteX3" fmla="*/ 3672600 w 5766171"/>
+              <a:gd name="connsiteY3" fmla="*/ 2638686 h 5560011"/>
+              <a:gd name="connsiteX4" fmla="*/ 4875297 w 5766171"/>
+              <a:gd name="connsiteY4" fmla="*/ 1283439 h 5560011"/>
+              <a:gd name="connsiteX5" fmla="*/ 5766171 w 5766171"/>
+              <a:gd name="connsiteY5" fmla="*/ 0 h 5560011"/>
+              <a:gd name="connsiteX0" fmla="*/ 0 w 5766171"/>
+              <a:gd name="connsiteY0" fmla="*/ 5560011 h 5560011"/>
+              <a:gd name="connsiteX1" fmla="*/ 1367624 w 5766171"/>
+              <a:gd name="connsiteY1" fmla="*/ 4574050 h 5560011"/>
+              <a:gd name="connsiteX2" fmla="*/ 2543434 w 5766171"/>
+              <a:gd name="connsiteY2" fmla="*/ 3656289 h 5560011"/>
+              <a:gd name="connsiteX3" fmla="*/ 3672600 w 5766171"/>
+              <a:gd name="connsiteY3" fmla="*/ 2638686 h 5560011"/>
+              <a:gd name="connsiteX4" fmla="*/ 4875297 w 5766171"/>
+              <a:gd name="connsiteY4" fmla="*/ 1283439 h 5560011"/>
+              <a:gd name="connsiteX5" fmla="*/ 5766171 w 5766171"/>
+              <a:gd name="connsiteY5" fmla="*/ 0 h 5560011"/>
+              <a:gd name="connsiteX0" fmla="*/ 0 w 5766171"/>
+              <a:gd name="connsiteY0" fmla="*/ 5560011 h 5560011"/>
+              <a:gd name="connsiteX1" fmla="*/ 1377051 w 5766171"/>
+              <a:gd name="connsiteY1" fmla="*/ 4621184 h 5560011"/>
+              <a:gd name="connsiteX2" fmla="*/ 2543434 w 5766171"/>
+              <a:gd name="connsiteY2" fmla="*/ 3656289 h 5560011"/>
+              <a:gd name="connsiteX3" fmla="*/ 3672600 w 5766171"/>
+              <a:gd name="connsiteY3" fmla="*/ 2638686 h 5560011"/>
+              <a:gd name="connsiteX4" fmla="*/ 4875297 w 5766171"/>
+              <a:gd name="connsiteY4" fmla="*/ 1283439 h 5560011"/>
+              <a:gd name="connsiteX5" fmla="*/ 5766171 w 5766171"/>
+              <a:gd name="connsiteY5" fmla="*/ 0 h 5560011"/>
+              <a:gd name="connsiteX0" fmla="*/ 0 w 5737890"/>
+              <a:gd name="connsiteY0" fmla="*/ 5578864 h 5578864"/>
+              <a:gd name="connsiteX1" fmla="*/ 1348770 w 5737890"/>
+              <a:gd name="connsiteY1" fmla="*/ 4621184 h 5578864"/>
+              <a:gd name="connsiteX2" fmla="*/ 2515153 w 5737890"/>
+              <a:gd name="connsiteY2" fmla="*/ 3656289 h 5578864"/>
+              <a:gd name="connsiteX3" fmla="*/ 3644319 w 5737890"/>
+              <a:gd name="connsiteY3" fmla="*/ 2638686 h 5578864"/>
+              <a:gd name="connsiteX4" fmla="*/ 4847016 w 5737890"/>
+              <a:gd name="connsiteY4" fmla="*/ 1283439 h 5578864"/>
+              <a:gd name="connsiteX5" fmla="*/ 5737890 w 5737890"/>
+              <a:gd name="connsiteY5" fmla="*/ 0 h 5578864"/>
+              <a:gd name="connsiteX0" fmla="*/ 0 w 5737890"/>
+              <a:gd name="connsiteY0" fmla="*/ 5578864 h 5578864"/>
+              <a:gd name="connsiteX1" fmla="*/ 1348770 w 5737890"/>
+              <a:gd name="connsiteY1" fmla="*/ 4621184 h 5578864"/>
+              <a:gd name="connsiteX2" fmla="*/ 2515153 w 5737890"/>
+              <a:gd name="connsiteY2" fmla="*/ 3656289 h 5578864"/>
+              <a:gd name="connsiteX3" fmla="*/ 3644319 w 5737890"/>
+              <a:gd name="connsiteY3" fmla="*/ 2638686 h 5578864"/>
+              <a:gd name="connsiteX4" fmla="*/ 4781029 w 5737890"/>
+              <a:gd name="connsiteY4" fmla="*/ 1311720 h 5578864"/>
+              <a:gd name="connsiteX5" fmla="*/ 5737890 w 5737890"/>
+              <a:gd name="connsiteY5" fmla="*/ 0 h 5578864"/>
+              <a:gd name="connsiteX0" fmla="*/ 0 w 5737890"/>
+              <a:gd name="connsiteY0" fmla="*/ 5578864 h 5578864"/>
+              <a:gd name="connsiteX1" fmla="*/ 1348770 w 5737890"/>
+              <a:gd name="connsiteY1" fmla="*/ 4621184 h 5578864"/>
+              <a:gd name="connsiteX2" fmla="*/ 2515153 w 5737890"/>
+              <a:gd name="connsiteY2" fmla="*/ 3656289 h 5578864"/>
+              <a:gd name="connsiteX3" fmla="*/ 3691453 w 5737890"/>
+              <a:gd name="connsiteY3" fmla="*/ 2553845 h 5578864"/>
+              <a:gd name="connsiteX4" fmla="*/ 4781029 w 5737890"/>
+              <a:gd name="connsiteY4" fmla="*/ 1311720 h 5578864"/>
+              <a:gd name="connsiteX5" fmla="*/ 5737890 w 5737890"/>
+              <a:gd name="connsiteY5" fmla="*/ 0 h 5578864"/>
+              <a:gd name="connsiteX0" fmla="*/ 0 w 5737890"/>
+              <a:gd name="connsiteY0" fmla="*/ 5578864 h 5578864"/>
+              <a:gd name="connsiteX1" fmla="*/ 1348770 w 5737890"/>
+              <a:gd name="connsiteY1" fmla="*/ 4621184 h 5578864"/>
+              <a:gd name="connsiteX2" fmla="*/ 2590567 w 5737890"/>
+              <a:gd name="connsiteY2" fmla="*/ 3533740 h 5578864"/>
+              <a:gd name="connsiteX3" fmla="*/ 3691453 w 5737890"/>
+              <a:gd name="connsiteY3" fmla="*/ 2553845 h 5578864"/>
+              <a:gd name="connsiteX4" fmla="*/ 4781029 w 5737890"/>
+              <a:gd name="connsiteY4" fmla="*/ 1311720 h 5578864"/>
+              <a:gd name="connsiteX5" fmla="*/ 5737890 w 5737890"/>
+              <a:gd name="connsiteY5" fmla="*/ 0 h 5578864"/>
+              <a:gd name="connsiteX0" fmla="*/ 0 w 5737890"/>
+              <a:gd name="connsiteY0" fmla="*/ 5578864 h 5578864"/>
+              <a:gd name="connsiteX1" fmla="*/ 1348770 w 5737890"/>
+              <a:gd name="connsiteY1" fmla="*/ 4621184 h 5578864"/>
+              <a:gd name="connsiteX2" fmla="*/ 2590567 w 5737890"/>
+              <a:gd name="connsiteY2" fmla="*/ 3533740 h 5578864"/>
+              <a:gd name="connsiteX3" fmla="*/ 3653746 w 5737890"/>
+              <a:gd name="connsiteY3" fmla="*/ 2525565 h 5578864"/>
+              <a:gd name="connsiteX4" fmla="*/ 4781029 w 5737890"/>
+              <a:gd name="connsiteY4" fmla="*/ 1311720 h 5578864"/>
+              <a:gd name="connsiteX5" fmla="*/ 5737890 w 5737890"/>
+              <a:gd name="connsiteY5" fmla="*/ 0 h 5578864"/>
+              <a:gd name="connsiteX0" fmla="*/ 0 w 5737890"/>
+              <a:gd name="connsiteY0" fmla="*/ 5578864 h 5578864"/>
+              <a:gd name="connsiteX1" fmla="*/ 1377051 w 5737890"/>
+              <a:gd name="connsiteY1" fmla="*/ 4564623 h 5578864"/>
+              <a:gd name="connsiteX2" fmla="*/ 2590567 w 5737890"/>
+              <a:gd name="connsiteY2" fmla="*/ 3533740 h 5578864"/>
+              <a:gd name="connsiteX3" fmla="*/ 3653746 w 5737890"/>
+              <a:gd name="connsiteY3" fmla="*/ 2525565 h 5578864"/>
+              <a:gd name="connsiteX4" fmla="*/ 4781029 w 5737890"/>
+              <a:gd name="connsiteY4" fmla="*/ 1311720 h 5578864"/>
+              <a:gd name="connsiteX5" fmla="*/ 5737890 w 5737890"/>
+              <a:gd name="connsiteY5" fmla="*/ 0 h 5578864"/>
+            </a:gdLst>
+            <a:ahLst/>
+            <a:cxnLst>
+              <a:cxn ang="0">
+                <a:pos x="connsiteX0" y="connsiteY0"/>
+              </a:cxn>
+              <a:cxn ang="0">
+                <a:pos x="connsiteX1" y="connsiteY1"/>
+              </a:cxn>
+              <a:cxn ang="0">
+                <a:pos x="connsiteX2" y="connsiteY2"/>
+              </a:cxn>
+              <a:cxn ang="0">
+                <a:pos x="connsiteX3" y="connsiteY3"/>
+              </a:cxn>
+              <a:cxn ang="0">
+                <a:pos x="connsiteX4" y="connsiteY4"/>
+              </a:cxn>
+              <a:cxn ang="0">
+                <a:pos x="connsiteX5" y="connsiteY5"/>
+              </a:cxn>
+            </a:cxnLst>
+            <a:rect l="l" t="t" r="r" b="b"/>
+            <a:pathLst>
+              <a:path w="5737890" h="5578864">
+                <a:moveTo>
+                  <a:pt x="0" y="5578864"/>
+                </a:moveTo>
+                <a:cubicBezTo>
+                  <a:pt x="373048" y="5340325"/>
+                  <a:pt x="945290" y="4905477"/>
+                  <a:pt x="1377051" y="4564623"/>
+                </a:cubicBezTo>
+                <a:cubicBezTo>
+                  <a:pt x="1808812" y="4223769"/>
+                  <a:pt x="2206404" y="3856301"/>
+                  <a:pt x="2590567" y="3533740"/>
+                </a:cubicBezTo>
+                <a:cubicBezTo>
+                  <a:pt x="2974730" y="3211179"/>
+                  <a:pt x="3288669" y="2895902"/>
+                  <a:pt x="3653746" y="2525565"/>
+                </a:cubicBezTo>
+                <a:cubicBezTo>
+                  <a:pt x="4018823" y="2155228"/>
+                  <a:pt x="4443099" y="1735790"/>
+                  <a:pt x="4781029" y="1311720"/>
+                </a:cubicBezTo>
+                <a:cubicBezTo>
+                  <a:pt x="5118959" y="887650"/>
+                  <a:pt x="5606694" y="178904"/>
+                  <a:pt x="5737890" y="0"/>
+                </a:cubicBezTo>
+              </a:path>
+            </a:pathLst>
+          </a:custGeom>
+          <a:noFill/>
+          <a:ln w="15875">
+            <a:headEnd type="none" w="med" len="med"/>
+            <a:tailEnd type="triangle" w="lg" len="lg"/>
+          </a:ln>
+        </p:spPr>
+        <p:style>
+          <a:lnRef idx="2">
+            <a:schemeClr val="accent1">
+              <a:shade val="50000"/>
+            </a:schemeClr>
+          </a:lnRef>
+          <a:fillRef idx="1">
+            <a:schemeClr val="accent1"/>
+          </a:fillRef>
+          <a:effectRef idx="0">
+            <a:schemeClr val="accent1"/>
+          </a:effectRef>
+          <a:fontRef idx="minor">
+            <a:schemeClr val="lt1"/>
+          </a:fontRef>
+        </p:style>
+        <p:txBody>
+          <a:bodyPr rtlCol="0" anchor="ctr"/>
+          <a:lstStyle/>
+          <a:p>
+            <a:pPr algn="ctr"/>
+            <a:endParaRPr kumimoji="1" lang="ja-JP" altLang="en-US" dirty="0"/>
+          </a:p>
+        </p:txBody>
+      </p:sp>
+      <p:sp>
+        <p:nvSpPr>
+          <p:cNvPr id="5" name="フリーフォーム: 図形 4">
+            <a:extLst>
+              <a:ext uri="{FF2B5EF4-FFF2-40B4-BE49-F238E27FC236}">
+                <a16:creationId xmlns:a16="http://schemas.microsoft.com/office/drawing/2014/main" id="{CCB62519-911D-419B-9B3B-5489D7487F0A}"/>
+              </a:ext>
+            </a:extLst>
+          </p:cNvPr>
+          <p:cNvSpPr/>
+          <p:nvPr/>
+        </p:nvSpPr>
+        <p:spPr>
+          <a:xfrm>
+            <a:off x="3582527" y="5943164"/>
+            <a:ext cx="315757" cy="187141"/>
+          </a:xfrm>
+          <a:custGeom>
+            <a:avLst/>
+            <a:gdLst>
+              <a:gd name="connsiteX0" fmla="*/ 0 w 5756744"/>
+              <a:gd name="connsiteY0" fmla="*/ 5597718 h 5597718"/>
+              <a:gd name="connsiteX1" fmla="*/ 1367624 w 5756744"/>
+              <a:gd name="connsiteY1" fmla="*/ 4611757 h 5597718"/>
+              <a:gd name="connsiteX2" fmla="*/ 3729161 w 5756744"/>
+              <a:gd name="connsiteY2" fmla="*/ 2544418 h 5597718"/>
+              <a:gd name="connsiteX3" fmla="*/ 4969565 w 5756744"/>
+              <a:gd name="connsiteY3" fmla="*/ 1160891 h 5597718"/>
+              <a:gd name="connsiteX4" fmla="*/ 5756744 w 5756744"/>
+              <a:gd name="connsiteY4" fmla="*/ 0 h 5597718"/>
+              <a:gd name="connsiteX0" fmla="*/ 0 w 5766171"/>
+              <a:gd name="connsiteY0" fmla="*/ 5560011 h 5560011"/>
+              <a:gd name="connsiteX1" fmla="*/ 1367624 w 5766171"/>
+              <a:gd name="connsiteY1" fmla="*/ 4574050 h 5560011"/>
+              <a:gd name="connsiteX2" fmla="*/ 3729161 w 5766171"/>
+              <a:gd name="connsiteY2" fmla="*/ 2506711 h 5560011"/>
+              <a:gd name="connsiteX3" fmla="*/ 4969565 w 5766171"/>
+              <a:gd name="connsiteY3" fmla="*/ 1123184 h 5560011"/>
+              <a:gd name="connsiteX4" fmla="*/ 5766171 w 5766171"/>
+              <a:gd name="connsiteY4" fmla="*/ 0 h 5560011"/>
+              <a:gd name="connsiteX0" fmla="*/ 0 w 5766171"/>
+              <a:gd name="connsiteY0" fmla="*/ 5560011 h 5560011"/>
+              <a:gd name="connsiteX1" fmla="*/ 1367624 w 5766171"/>
+              <a:gd name="connsiteY1" fmla="*/ 4574050 h 5560011"/>
+              <a:gd name="connsiteX2" fmla="*/ 3729161 w 5766171"/>
+              <a:gd name="connsiteY2" fmla="*/ 2506711 h 5560011"/>
+              <a:gd name="connsiteX3" fmla="*/ 4875297 w 5766171"/>
+              <a:gd name="connsiteY3" fmla="*/ 1283439 h 5560011"/>
+              <a:gd name="connsiteX4" fmla="*/ 5766171 w 5766171"/>
+              <a:gd name="connsiteY4" fmla="*/ 0 h 5560011"/>
+              <a:gd name="connsiteX0" fmla="*/ 0 w 5766171"/>
+              <a:gd name="connsiteY0" fmla="*/ 5560011 h 5560011"/>
+              <a:gd name="connsiteX1" fmla="*/ 1367624 w 5766171"/>
+              <a:gd name="connsiteY1" fmla="*/ 4574050 h 5560011"/>
+              <a:gd name="connsiteX2" fmla="*/ 3672600 w 5766171"/>
+              <a:gd name="connsiteY2" fmla="*/ 2638686 h 5560011"/>
+              <a:gd name="connsiteX3" fmla="*/ 4875297 w 5766171"/>
+              <a:gd name="connsiteY3" fmla="*/ 1283439 h 5560011"/>
+              <a:gd name="connsiteX4" fmla="*/ 5766171 w 5766171"/>
+              <a:gd name="connsiteY4" fmla="*/ 0 h 5560011"/>
+              <a:gd name="connsiteX0" fmla="*/ 0 w 5766171"/>
+              <a:gd name="connsiteY0" fmla="*/ 5560011 h 5560011"/>
+              <a:gd name="connsiteX1" fmla="*/ 1367624 w 5766171"/>
+              <a:gd name="connsiteY1" fmla="*/ 4574050 h 5560011"/>
+              <a:gd name="connsiteX2" fmla="*/ 2515153 w 5766171"/>
+              <a:gd name="connsiteY2" fmla="*/ 3618582 h 5560011"/>
+              <a:gd name="connsiteX3" fmla="*/ 3672600 w 5766171"/>
+              <a:gd name="connsiteY3" fmla="*/ 2638686 h 5560011"/>
+              <a:gd name="connsiteX4" fmla="*/ 4875297 w 5766171"/>
+              <a:gd name="connsiteY4" fmla="*/ 1283439 h 5560011"/>
+              <a:gd name="connsiteX5" fmla="*/ 5766171 w 5766171"/>
+              <a:gd name="connsiteY5" fmla="*/ 0 h 5560011"/>
+              <a:gd name="connsiteX0" fmla="*/ 0 w 5766171"/>
+              <a:gd name="connsiteY0" fmla="*/ 5560011 h 5560011"/>
+              <a:gd name="connsiteX1" fmla="*/ 1367624 w 5766171"/>
+              <a:gd name="connsiteY1" fmla="*/ 4574050 h 5560011"/>
+              <a:gd name="connsiteX2" fmla="*/ 2543434 w 5766171"/>
+              <a:gd name="connsiteY2" fmla="*/ 3656289 h 5560011"/>
+              <a:gd name="connsiteX3" fmla="*/ 3672600 w 5766171"/>
+              <a:gd name="connsiteY3" fmla="*/ 2638686 h 5560011"/>
+              <a:gd name="connsiteX4" fmla="*/ 4875297 w 5766171"/>
+              <a:gd name="connsiteY4" fmla="*/ 1283439 h 5560011"/>
+              <a:gd name="connsiteX5" fmla="*/ 5766171 w 5766171"/>
+              <a:gd name="connsiteY5" fmla="*/ 0 h 5560011"/>
+              <a:gd name="connsiteX0" fmla="*/ 0 w 5766171"/>
+              <a:gd name="connsiteY0" fmla="*/ 5560011 h 5560011"/>
+              <a:gd name="connsiteX1" fmla="*/ 1377051 w 5766171"/>
+              <a:gd name="connsiteY1" fmla="*/ 4621184 h 5560011"/>
+              <a:gd name="connsiteX2" fmla="*/ 2543434 w 5766171"/>
+              <a:gd name="connsiteY2" fmla="*/ 3656289 h 5560011"/>
+              <a:gd name="connsiteX3" fmla="*/ 3672600 w 5766171"/>
+              <a:gd name="connsiteY3" fmla="*/ 2638686 h 5560011"/>
+              <a:gd name="connsiteX4" fmla="*/ 4875297 w 5766171"/>
+              <a:gd name="connsiteY4" fmla="*/ 1283439 h 5560011"/>
+              <a:gd name="connsiteX5" fmla="*/ 5766171 w 5766171"/>
+              <a:gd name="connsiteY5" fmla="*/ 0 h 5560011"/>
+              <a:gd name="connsiteX0" fmla="*/ 0 w 5737890"/>
+              <a:gd name="connsiteY0" fmla="*/ 5578864 h 5578864"/>
+              <a:gd name="connsiteX1" fmla="*/ 1348770 w 5737890"/>
+              <a:gd name="connsiteY1" fmla="*/ 4621184 h 5578864"/>
+              <a:gd name="connsiteX2" fmla="*/ 2515153 w 5737890"/>
+              <a:gd name="connsiteY2" fmla="*/ 3656289 h 5578864"/>
+              <a:gd name="connsiteX3" fmla="*/ 3644319 w 5737890"/>
+              <a:gd name="connsiteY3" fmla="*/ 2638686 h 5578864"/>
+              <a:gd name="connsiteX4" fmla="*/ 4847016 w 5737890"/>
+              <a:gd name="connsiteY4" fmla="*/ 1283439 h 5578864"/>
+              <a:gd name="connsiteX5" fmla="*/ 5737890 w 5737890"/>
+              <a:gd name="connsiteY5" fmla="*/ 0 h 5578864"/>
+              <a:gd name="connsiteX0" fmla="*/ 0 w 5737890"/>
+              <a:gd name="connsiteY0" fmla="*/ 5578864 h 5578864"/>
+              <a:gd name="connsiteX1" fmla="*/ 1348770 w 5737890"/>
+              <a:gd name="connsiteY1" fmla="*/ 4621184 h 5578864"/>
+              <a:gd name="connsiteX2" fmla="*/ 2515153 w 5737890"/>
+              <a:gd name="connsiteY2" fmla="*/ 3656289 h 5578864"/>
+              <a:gd name="connsiteX3" fmla="*/ 3644319 w 5737890"/>
+              <a:gd name="connsiteY3" fmla="*/ 2638686 h 5578864"/>
+              <a:gd name="connsiteX4" fmla="*/ 4781029 w 5737890"/>
+              <a:gd name="connsiteY4" fmla="*/ 1311720 h 5578864"/>
+              <a:gd name="connsiteX5" fmla="*/ 5737890 w 5737890"/>
+              <a:gd name="connsiteY5" fmla="*/ 0 h 5578864"/>
+              <a:gd name="connsiteX0" fmla="*/ 0 w 5737890"/>
+              <a:gd name="connsiteY0" fmla="*/ 5578864 h 5578864"/>
+              <a:gd name="connsiteX1" fmla="*/ 1348770 w 5737890"/>
+              <a:gd name="connsiteY1" fmla="*/ 4621184 h 5578864"/>
+              <a:gd name="connsiteX2" fmla="*/ 2515153 w 5737890"/>
+              <a:gd name="connsiteY2" fmla="*/ 3656289 h 5578864"/>
+              <a:gd name="connsiteX3" fmla="*/ 3691453 w 5737890"/>
+              <a:gd name="connsiteY3" fmla="*/ 2553845 h 5578864"/>
+              <a:gd name="connsiteX4" fmla="*/ 4781029 w 5737890"/>
+              <a:gd name="connsiteY4" fmla="*/ 1311720 h 5578864"/>
+              <a:gd name="connsiteX5" fmla="*/ 5737890 w 5737890"/>
+              <a:gd name="connsiteY5" fmla="*/ 0 h 5578864"/>
+              <a:gd name="connsiteX0" fmla="*/ 0 w 5737890"/>
+              <a:gd name="connsiteY0" fmla="*/ 5578864 h 5578864"/>
+              <a:gd name="connsiteX1" fmla="*/ 1348770 w 5737890"/>
+              <a:gd name="connsiteY1" fmla="*/ 4621184 h 5578864"/>
+              <a:gd name="connsiteX2" fmla="*/ 2590567 w 5737890"/>
+              <a:gd name="connsiteY2" fmla="*/ 3533740 h 5578864"/>
+              <a:gd name="connsiteX3" fmla="*/ 3691453 w 5737890"/>
+              <a:gd name="connsiteY3" fmla="*/ 2553845 h 5578864"/>
+              <a:gd name="connsiteX4" fmla="*/ 4781029 w 5737890"/>
+              <a:gd name="connsiteY4" fmla="*/ 1311720 h 5578864"/>
+              <a:gd name="connsiteX5" fmla="*/ 5737890 w 5737890"/>
+              <a:gd name="connsiteY5" fmla="*/ 0 h 5578864"/>
+              <a:gd name="connsiteX0" fmla="*/ 0 w 5737890"/>
+              <a:gd name="connsiteY0" fmla="*/ 5578864 h 5578864"/>
+              <a:gd name="connsiteX1" fmla="*/ 1348770 w 5737890"/>
+              <a:gd name="connsiteY1" fmla="*/ 4621184 h 5578864"/>
+              <a:gd name="connsiteX2" fmla="*/ 2590567 w 5737890"/>
+              <a:gd name="connsiteY2" fmla="*/ 3533740 h 5578864"/>
+              <a:gd name="connsiteX3" fmla="*/ 3653746 w 5737890"/>
+              <a:gd name="connsiteY3" fmla="*/ 2525565 h 5578864"/>
+              <a:gd name="connsiteX4" fmla="*/ 4781029 w 5737890"/>
+              <a:gd name="connsiteY4" fmla="*/ 1311720 h 5578864"/>
+              <a:gd name="connsiteX5" fmla="*/ 5737890 w 5737890"/>
+              <a:gd name="connsiteY5" fmla="*/ 0 h 5578864"/>
+              <a:gd name="connsiteX0" fmla="*/ 0 w 5737890"/>
+              <a:gd name="connsiteY0" fmla="*/ 5578864 h 5578864"/>
+              <a:gd name="connsiteX1" fmla="*/ 1377051 w 5737890"/>
+              <a:gd name="connsiteY1" fmla="*/ 4564623 h 5578864"/>
+              <a:gd name="connsiteX2" fmla="*/ 2590567 w 5737890"/>
+              <a:gd name="connsiteY2" fmla="*/ 3533740 h 5578864"/>
+              <a:gd name="connsiteX3" fmla="*/ 3653746 w 5737890"/>
+              <a:gd name="connsiteY3" fmla="*/ 2525565 h 5578864"/>
+              <a:gd name="connsiteX4" fmla="*/ 4781029 w 5737890"/>
+              <a:gd name="connsiteY4" fmla="*/ 1311720 h 5578864"/>
+              <a:gd name="connsiteX5" fmla="*/ 5737890 w 5737890"/>
+              <a:gd name="connsiteY5" fmla="*/ 0 h 5578864"/>
+              <a:gd name="connsiteX0" fmla="*/ 0 w 4360839"/>
+              <a:gd name="connsiteY0" fmla="*/ 4564623 h 4564623"/>
+              <a:gd name="connsiteX1" fmla="*/ 1213516 w 4360839"/>
+              <a:gd name="connsiteY1" fmla="*/ 3533740 h 4564623"/>
+              <a:gd name="connsiteX2" fmla="*/ 2276695 w 4360839"/>
+              <a:gd name="connsiteY2" fmla="*/ 2525565 h 4564623"/>
+              <a:gd name="connsiteX3" fmla="*/ 3403978 w 4360839"/>
+              <a:gd name="connsiteY3" fmla="*/ 1311720 h 4564623"/>
+              <a:gd name="connsiteX4" fmla="*/ 4360839 w 4360839"/>
+              <a:gd name="connsiteY4" fmla="*/ 0 h 4564623"/>
+              <a:gd name="connsiteX0" fmla="*/ 0 w 3147323"/>
+              <a:gd name="connsiteY0" fmla="*/ 3533740 h 3533740"/>
+              <a:gd name="connsiteX1" fmla="*/ 1063179 w 3147323"/>
+              <a:gd name="connsiteY1" fmla="*/ 2525565 h 3533740"/>
+              <a:gd name="connsiteX2" fmla="*/ 2190462 w 3147323"/>
+              <a:gd name="connsiteY2" fmla="*/ 1311720 h 3533740"/>
+              <a:gd name="connsiteX3" fmla="*/ 3147323 w 3147323"/>
+              <a:gd name="connsiteY3" fmla="*/ 0 h 3533740"/>
+              <a:gd name="connsiteX0" fmla="*/ 0 w 2084144"/>
+              <a:gd name="connsiteY0" fmla="*/ 2525565 h 2525565"/>
+              <a:gd name="connsiteX1" fmla="*/ 1127283 w 2084144"/>
+              <a:gd name="connsiteY1" fmla="*/ 1311720 h 2525565"/>
+              <a:gd name="connsiteX2" fmla="*/ 2084144 w 2084144"/>
+              <a:gd name="connsiteY2" fmla="*/ 0 h 2525565"/>
+              <a:gd name="connsiteX0" fmla="*/ 0 w 956861"/>
+              <a:gd name="connsiteY0" fmla="*/ 1311720 h 1311720"/>
+              <a:gd name="connsiteX1" fmla="*/ 956861 w 956861"/>
+              <a:gd name="connsiteY1" fmla="*/ 0 h 1311720"/>
+              <a:gd name="connsiteX0" fmla="*/ 0 w 5491154"/>
+              <a:gd name="connsiteY0" fmla="*/ 5214417 h 5214417"/>
+              <a:gd name="connsiteX1" fmla="*/ 5491154 w 5491154"/>
+              <a:gd name="connsiteY1" fmla="*/ 0 h 5214417"/>
+              <a:gd name="connsiteX0" fmla="*/ 377058 w 458451"/>
+              <a:gd name="connsiteY0" fmla="*/ 128003 h 332841"/>
+              <a:gd name="connsiteX1" fmla="*/ 14166 w 458451"/>
+              <a:gd name="connsiteY1" fmla="*/ 305718 h 332841"/>
+              <a:gd name="connsiteX0" fmla="*/ 379801 w 412561"/>
+              <a:gd name="connsiteY0" fmla="*/ 20287 h 238505"/>
+              <a:gd name="connsiteX1" fmla="*/ 16909 w 412561"/>
+              <a:gd name="connsiteY1" fmla="*/ 198002 h 238505"/>
+              <a:gd name="connsiteX0" fmla="*/ 379801 w 412561"/>
+              <a:gd name="connsiteY0" fmla="*/ 20287 h 238505"/>
+              <a:gd name="connsiteX1" fmla="*/ 16909 w 412561"/>
+              <a:gd name="connsiteY1" fmla="*/ 198002 h 238505"/>
+              <a:gd name="connsiteX0" fmla="*/ 306257 w 342447"/>
+              <a:gd name="connsiteY0" fmla="*/ 21792 h 205092"/>
+              <a:gd name="connsiteX1" fmla="*/ 18780 w 342447"/>
+              <a:gd name="connsiteY1" fmla="*/ 161799 h 205092"/>
+              <a:gd name="connsiteX0" fmla="*/ 306010 w 345097"/>
+              <a:gd name="connsiteY0" fmla="*/ 9679 h 196749"/>
+              <a:gd name="connsiteX1" fmla="*/ 18533 w 345097"/>
+              <a:gd name="connsiteY1" fmla="*/ 149686 h 196749"/>
+              <a:gd name="connsiteX0" fmla="*/ 287477 w 351232"/>
+              <a:gd name="connsiteY0" fmla="*/ 19899 h 159906"/>
+              <a:gd name="connsiteX1" fmla="*/ 0 w 351232"/>
+              <a:gd name="connsiteY1" fmla="*/ 159906 h 159906"/>
+              <a:gd name="connsiteX0" fmla="*/ 315757 w 375942"/>
+              <a:gd name="connsiteY0" fmla="*/ 16365 h 203506"/>
+              <a:gd name="connsiteX1" fmla="*/ 0 w 375942"/>
+              <a:gd name="connsiteY1" fmla="*/ 203506 h 203506"/>
+              <a:gd name="connsiteX0" fmla="*/ 315757 w 395342"/>
+              <a:gd name="connsiteY0" fmla="*/ 26453 h 213594"/>
+              <a:gd name="connsiteX1" fmla="*/ 0 w 395342"/>
+              <a:gd name="connsiteY1" fmla="*/ 213594 h 213594"/>
+              <a:gd name="connsiteX0" fmla="*/ 315757 w 315757"/>
+              <a:gd name="connsiteY0" fmla="*/ 0 h 187141"/>
+              <a:gd name="connsiteX1" fmla="*/ 0 w 315757"/>
+              <a:gd name="connsiteY1" fmla="*/ 187141 h 187141"/>
+            </a:gdLst>
+            <a:ahLst/>
+            <a:cxnLst>
+              <a:cxn ang="0">
+                <a:pos x="connsiteX0" y="connsiteY0"/>
+              </a:cxn>
+              <a:cxn ang="0">
+                <a:pos x="connsiteX1" y="connsiteY1"/>
+              </a:cxn>
+            </a:cxnLst>
+            <a:rect l="l" t="t" r="r" b="b"/>
+            <a:pathLst>
+              <a:path w="315757" h="187141">
+                <a:moveTo>
+                  <a:pt x="315757" y="0"/>
+                </a:moveTo>
+                <a:cubicBezTo>
+                  <a:pt x="172920" y="94404"/>
+                  <a:pt x="321291" y="17254"/>
+                  <a:pt x="0" y="187141"/>
+                </a:cubicBezTo>
+              </a:path>
+            </a:pathLst>
+          </a:custGeom>
+          <a:noFill/>
+          <a:ln w="12700">
+            <a:headEnd type="none" w="med" len="med"/>
+            <a:tailEnd type="triangle" w="lg" len="lg"/>
+          </a:ln>
+        </p:spPr>
+        <p:style>
+          <a:lnRef idx="2">
+            <a:schemeClr val="accent1">
+              <a:shade val="50000"/>
+            </a:schemeClr>
+          </a:lnRef>
+          <a:fillRef idx="1">
+            <a:schemeClr val="accent1"/>
+          </a:fillRef>
+          <a:effectRef idx="0">
+            <a:schemeClr val="accent1"/>
+          </a:effectRef>
+          <a:fontRef idx="minor">
+            <a:schemeClr val="lt1"/>
+          </a:fontRef>
+        </p:style>
+        <p:txBody>
+          <a:bodyPr rtlCol="0" anchor="ctr"/>
+          <a:lstStyle/>
+          <a:p>
+            <a:pPr algn="ctr"/>
+            <a:endParaRPr kumimoji="1" lang="ja-JP" altLang="en-US" dirty="0"/>
+          </a:p>
+        </p:txBody>
+      </p:sp>
+      <p:sp>
+        <p:nvSpPr>
+          <p:cNvPr id="6" name="テキスト ボックス 5">
+            <a:extLst>
+              <a:ext uri="{FF2B5EF4-FFF2-40B4-BE49-F238E27FC236}">
+                <a16:creationId xmlns:a16="http://schemas.microsoft.com/office/drawing/2014/main" id="{E627BBFD-51E6-46EC-920F-E6492481B4DD}"/>
+              </a:ext>
+            </a:extLst>
+          </p:cNvPr>
+          <p:cNvSpPr txBox="1"/>
+          <p:nvPr/>
+        </p:nvSpPr>
+        <p:spPr>
+          <a:xfrm>
+            <a:off x="5052766" y="3328072"/>
+            <a:ext cx="1508289" cy="369332"/>
+          </a:xfrm>
+          <a:prstGeom prst="rect">
+            <a:avLst/>
+          </a:prstGeom>
+          <a:noFill/>
+        </p:spPr>
+        <p:txBody>
+          <a:bodyPr wrap="square" rtlCol="0">
+            <a:noAutofit/>
+          </a:bodyPr>
+          <a:lstStyle/>
+          <a:p>
+            <a:r>
+              <a:rPr kumimoji="1" lang="en-US" altLang="ja-JP" dirty="0"/>
+              <a:t>Const. p</a:t>
+            </a:r>
+            <a:endParaRPr kumimoji="1" lang="ja-JP" altLang="en-US" dirty="0"/>
+          </a:p>
+        </p:txBody>
+      </p:sp>
+      <p:sp>
+        <p:nvSpPr>
+          <p:cNvPr id="7" name="テキスト ボックス 6">
+            <a:extLst>
+              <a:ext uri="{FF2B5EF4-FFF2-40B4-BE49-F238E27FC236}">
+                <a16:creationId xmlns:a16="http://schemas.microsoft.com/office/drawing/2014/main" id="{56914C8E-B780-4507-9351-6DCB7F7C9CED}"/>
+              </a:ext>
+            </a:extLst>
+          </p:cNvPr>
+          <p:cNvSpPr txBox="1"/>
+          <p:nvPr/>
+        </p:nvSpPr>
+        <p:spPr>
+          <a:xfrm>
+            <a:off x="7363904" y="3657340"/>
+            <a:ext cx="1508289" cy="369332"/>
+          </a:xfrm>
+          <a:prstGeom prst="rect">
+            <a:avLst/>
+          </a:prstGeom>
+          <a:noFill/>
+        </p:spPr>
+        <p:txBody>
+          <a:bodyPr wrap="square" rtlCol="0">
+            <a:noAutofit/>
+          </a:bodyPr>
+          <a:lstStyle/>
+          <a:p>
+            <a:r>
+              <a:rPr kumimoji="1" lang="en-US" altLang="ja-JP" dirty="0"/>
+              <a:t>Const. p</a:t>
+            </a:r>
+            <a:endParaRPr kumimoji="1" lang="ja-JP" altLang="en-US" dirty="0"/>
+          </a:p>
+        </p:txBody>
+      </p:sp>
+    </p:spTree>
+    <p:extLst>
+      <p:ext uri="{BB962C8B-B14F-4D97-AF65-F5344CB8AC3E}">
+        <p14:creationId xmlns:p14="http://schemas.microsoft.com/office/powerpoint/2010/main" val="457224502"/>
+      </p:ext>
+    </p:extLst>
+  </p:cSld>
+  <p:clrMapOvr>
+    <a:masterClrMapping/>
+  </p:clrMapOvr>
+</p:sld>
+</file>
+
+<file path=ppt/slides/slide3.xml><?xml version="1.0" encoding="utf-8"?>
+<p:sld xmlns:a="http://schemas.openxmlformats.org/drawingml/2006/main" xmlns:r="http://schemas.openxmlformats.org/officeDocument/2006/relationships" xmlns:p="http://schemas.openxmlformats.org/presentationml/2006/main">
+  <p:cSld>
+    <p:spTree>
+      <p:nvGrpSpPr>
+        <p:cNvPr id="1" name=""/>
+        <p:cNvGrpSpPr/>
+        <p:nvPr/>
+      </p:nvGrpSpPr>
+      <p:grpSpPr>
+        <a:xfrm>
+          <a:off x="0" y="0"/>
+          <a:ext cx="0" cy="0"/>
+          <a:chOff x="0" y="0"/>
+          <a:chExt cx="0" cy="0"/>
+        </a:xfrm>
+      </p:grpSpPr>
+      <p:pic>
+        <p:nvPicPr>
+          <p:cNvPr id="3" name="図 2">
+            <a:extLst>
+              <a:ext uri="{FF2B5EF4-FFF2-40B4-BE49-F238E27FC236}">
+                <a16:creationId xmlns:a16="http://schemas.microsoft.com/office/drawing/2014/main" id="{8797608F-9799-4D13-AF4B-8E44FB528136}"/>
+              </a:ext>
+            </a:extLst>
+          </p:cNvPr>
+          <p:cNvPicPr>
+            <a:picLocks noChangeAspect="1"/>
+          </p:cNvPicPr>
+          <p:nvPr/>
+        </p:nvPicPr>
+        <p:blipFill>
+          <a:blip r:embed="rId2">
+            <a:extLst>
+              <a:ext uri="{28A0092B-C50C-407E-A947-70E740481C1C}">
+                <a14:useLocalDpi xmlns:a14="http://schemas.microsoft.com/office/drawing/2010/main" val="0"/>
+              </a:ext>
+            </a:extLst>
+          </a:blip>
+          <a:stretch>
+            <a:fillRect/>
+          </a:stretch>
+        </p:blipFill>
+        <p:spPr>
+          <a:xfrm>
+            <a:off x="2638614" y="0"/>
+            <a:ext cx="6914771" cy="6858000"/>
+          </a:xfrm>
+          <a:prstGeom prst="rect">
+            <a:avLst/>
+          </a:prstGeom>
+        </p:spPr>
+      </p:pic>
+      <p:sp>
+        <p:nvSpPr>
+          <p:cNvPr id="4" name="フリーフォーム: 図形 3">
+            <a:extLst>
+              <a:ext uri="{FF2B5EF4-FFF2-40B4-BE49-F238E27FC236}">
+                <a16:creationId xmlns:a16="http://schemas.microsoft.com/office/drawing/2014/main" id="{48B68CCD-FBF8-4572-BD1C-0DC1BCD51997}"/>
+              </a:ext>
+            </a:extLst>
+          </p:cNvPr>
+          <p:cNvSpPr/>
+          <p:nvPr/>
+        </p:nvSpPr>
+        <p:spPr>
+          <a:xfrm>
+            <a:off x="3450211" y="2347273"/>
+            <a:ext cx="5759778" cy="3525627"/>
+          </a:xfrm>
+          <a:custGeom>
+            <a:avLst/>
+            <a:gdLst>
+              <a:gd name="connsiteX0" fmla="*/ 0 w 5756744"/>
+              <a:gd name="connsiteY0" fmla="*/ 5597718 h 5597718"/>
+              <a:gd name="connsiteX1" fmla="*/ 1367624 w 5756744"/>
+              <a:gd name="connsiteY1" fmla="*/ 4611757 h 5597718"/>
+              <a:gd name="connsiteX2" fmla="*/ 3729161 w 5756744"/>
+              <a:gd name="connsiteY2" fmla="*/ 2544418 h 5597718"/>
+              <a:gd name="connsiteX3" fmla="*/ 4969565 w 5756744"/>
+              <a:gd name="connsiteY3" fmla="*/ 1160891 h 5597718"/>
+              <a:gd name="connsiteX4" fmla="*/ 5756744 w 5756744"/>
+              <a:gd name="connsiteY4" fmla="*/ 0 h 5597718"/>
+              <a:gd name="connsiteX0" fmla="*/ 0 w 5766171"/>
+              <a:gd name="connsiteY0" fmla="*/ 5560011 h 5560011"/>
+              <a:gd name="connsiteX1" fmla="*/ 1367624 w 5766171"/>
+              <a:gd name="connsiteY1" fmla="*/ 4574050 h 5560011"/>
+              <a:gd name="connsiteX2" fmla="*/ 3729161 w 5766171"/>
+              <a:gd name="connsiteY2" fmla="*/ 2506711 h 5560011"/>
+              <a:gd name="connsiteX3" fmla="*/ 4969565 w 5766171"/>
+              <a:gd name="connsiteY3" fmla="*/ 1123184 h 5560011"/>
+              <a:gd name="connsiteX4" fmla="*/ 5766171 w 5766171"/>
+              <a:gd name="connsiteY4" fmla="*/ 0 h 5560011"/>
+              <a:gd name="connsiteX0" fmla="*/ 0 w 5766171"/>
+              <a:gd name="connsiteY0" fmla="*/ 5560011 h 5560011"/>
+              <a:gd name="connsiteX1" fmla="*/ 1367624 w 5766171"/>
+              <a:gd name="connsiteY1" fmla="*/ 4574050 h 5560011"/>
+              <a:gd name="connsiteX2" fmla="*/ 3729161 w 5766171"/>
+              <a:gd name="connsiteY2" fmla="*/ 2506711 h 5560011"/>
+              <a:gd name="connsiteX3" fmla="*/ 4875297 w 5766171"/>
+              <a:gd name="connsiteY3" fmla="*/ 1283439 h 5560011"/>
+              <a:gd name="connsiteX4" fmla="*/ 5766171 w 5766171"/>
+              <a:gd name="connsiteY4" fmla="*/ 0 h 5560011"/>
+              <a:gd name="connsiteX0" fmla="*/ 0 w 5766171"/>
+              <a:gd name="connsiteY0" fmla="*/ 5560011 h 5560011"/>
+              <a:gd name="connsiteX1" fmla="*/ 1367624 w 5766171"/>
+              <a:gd name="connsiteY1" fmla="*/ 4574050 h 5560011"/>
+              <a:gd name="connsiteX2" fmla="*/ 3672600 w 5766171"/>
+              <a:gd name="connsiteY2" fmla="*/ 2638686 h 5560011"/>
+              <a:gd name="connsiteX3" fmla="*/ 4875297 w 5766171"/>
+              <a:gd name="connsiteY3" fmla="*/ 1283439 h 5560011"/>
+              <a:gd name="connsiteX4" fmla="*/ 5766171 w 5766171"/>
+              <a:gd name="connsiteY4" fmla="*/ 0 h 5560011"/>
+              <a:gd name="connsiteX0" fmla="*/ 0 w 5766171"/>
+              <a:gd name="connsiteY0" fmla="*/ 5560011 h 5560011"/>
+              <a:gd name="connsiteX1" fmla="*/ 1367624 w 5766171"/>
+              <a:gd name="connsiteY1" fmla="*/ 4574050 h 5560011"/>
+              <a:gd name="connsiteX2" fmla="*/ 2515153 w 5766171"/>
+              <a:gd name="connsiteY2" fmla="*/ 3618582 h 5560011"/>
+              <a:gd name="connsiteX3" fmla="*/ 3672600 w 5766171"/>
+              <a:gd name="connsiteY3" fmla="*/ 2638686 h 5560011"/>
+              <a:gd name="connsiteX4" fmla="*/ 4875297 w 5766171"/>
+              <a:gd name="connsiteY4" fmla="*/ 1283439 h 5560011"/>
+              <a:gd name="connsiteX5" fmla="*/ 5766171 w 5766171"/>
+              <a:gd name="connsiteY5" fmla="*/ 0 h 5560011"/>
+              <a:gd name="connsiteX0" fmla="*/ 0 w 5766171"/>
+              <a:gd name="connsiteY0" fmla="*/ 5560011 h 5560011"/>
+              <a:gd name="connsiteX1" fmla="*/ 1367624 w 5766171"/>
+              <a:gd name="connsiteY1" fmla="*/ 4574050 h 5560011"/>
+              <a:gd name="connsiteX2" fmla="*/ 2543434 w 5766171"/>
+              <a:gd name="connsiteY2" fmla="*/ 3656289 h 5560011"/>
+              <a:gd name="connsiteX3" fmla="*/ 3672600 w 5766171"/>
+              <a:gd name="connsiteY3" fmla="*/ 2638686 h 5560011"/>
+              <a:gd name="connsiteX4" fmla="*/ 4875297 w 5766171"/>
+              <a:gd name="connsiteY4" fmla="*/ 1283439 h 5560011"/>
+              <a:gd name="connsiteX5" fmla="*/ 5766171 w 5766171"/>
+              <a:gd name="connsiteY5" fmla="*/ 0 h 5560011"/>
+              <a:gd name="connsiteX0" fmla="*/ 0 w 5766171"/>
+              <a:gd name="connsiteY0" fmla="*/ 5560011 h 5560011"/>
+              <a:gd name="connsiteX1" fmla="*/ 1377051 w 5766171"/>
+              <a:gd name="connsiteY1" fmla="*/ 4621184 h 5560011"/>
+              <a:gd name="connsiteX2" fmla="*/ 2543434 w 5766171"/>
+              <a:gd name="connsiteY2" fmla="*/ 3656289 h 5560011"/>
+              <a:gd name="connsiteX3" fmla="*/ 3672600 w 5766171"/>
+              <a:gd name="connsiteY3" fmla="*/ 2638686 h 5560011"/>
+              <a:gd name="connsiteX4" fmla="*/ 4875297 w 5766171"/>
+              <a:gd name="connsiteY4" fmla="*/ 1283439 h 5560011"/>
+              <a:gd name="connsiteX5" fmla="*/ 5766171 w 5766171"/>
+              <a:gd name="connsiteY5" fmla="*/ 0 h 5560011"/>
+              <a:gd name="connsiteX0" fmla="*/ 0 w 5737890"/>
+              <a:gd name="connsiteY0" fmla="*/ 5578864 h 5578864"/>
+              <a:gd name="connsiteX1" fmla="*/ 1348770 w 5737890"/>
+              <a:gd name="connsiteY1" fmla="*/ 4621184 h 5578864"/>
+              <a:gd name="connsiteX2" fmla="*/ 2515153 w 5737890"/>
+              <a:gd name="connsiteY2" fmla="*/ 3656289 h 5578864"/>
+              <a:gd name="connsiteX3" fmla="*/ 3644319 w 5737890"/>
+              <a:gd name="connsiteY3" fmla="*/ 2638686 h 5578864"/>
+              <a:gd name="connsiteX4" fmla="*/ 4847016 w 5737890"/>
+              <a:gd name="connsiteY4" fmla="*/ 1283439 h 5578864"/>
+              <a:gd name="connsiteX5" fmla="*/ 5737890 w 5737890"/>
+              <a:gd name="connsiteY5" fmla="*/ 0 h 5578864"/>
+              <a:gd name="connsiteX0" fmla="*/ 0 w 5737890"/>
+              <a:gd name="connsiteY0" fmla="*/ 5578864 h 5578864"/>
+              <a:gd name="connsiteX1" fmla="*/ 1348770 w 5737890"/>
+              <a:gd name="connsiteY1" fmla="*/ 4621184 h 5578864"/>
+              <a:gd name="connsiteX2" fmla="*/ 2515153 w 5737890"/>
+              <a:gd name="connsiteY2" fmla="*/ 3656289 h 5578864"/>
+              <a:gd name="connsiteX3" fmla="*/ 3644319 w 5737890"/>
+              <a:gd name="connsiteY3" fmla="*/ 2638686 h 5578864"/>
+              <a:gd name="connsiteX4" fmla="*/ 4781029 w 5737890"/>
+              <a:gd name="connsiteY4" fmla="*/ 1311720 h 5578864"/>
+              <a:gd name="connsiteX5" fmla="*/ 5737890 w 5737890"/>
+              <a:gd name="connsiteY5" fmla="*/ 0 h 5578864"/>
+              <a:gd name="connsiteX0" fmla="*/ 0 w 5737890"/>
+              <a:gd name="connsiteY0" fmla="*/ 5578864 h 5578864"/>
+              <a:gd name="connsiteX1" fmla="*/ 1348770 w 5737890"/>
+              <a:gd name="connsiteY1" fmla="*/ 4621184 h 5578864"/>
+              <a:gd name="connsiteX2" fmla="*/ 2515153 w 5737890"/>
+              <a:gd name="connsiteY2" fmla="*/ 3656289 h 5578864"/>
+              <a:gd name="connsiteX3" fmla="*/ 3691453 w 5737890"/>
+              <a:gd name="connsiteY3" fmla="*/ 2553845 h 5578864"/>
+              <a:gd name="connsiteX4" fmla="*/ 4781029 w 5737890"/>
+              <a:gd name="connsiteY4" fmla="*/ 1311720 h 5578864"/>
+              <a:gd name="connsiteX5" fmla="*/ 5737890 w 5737890"/>
+              <a:gd name="connsiteY5" fmla="*/ 0 h 5578864"/>
+              <a:gd name="connsiteX0" fmla="*/ 0 w 5737890"/>
+              <a:gd name="connsiteY0" fmla="*/ 5578864 h 5578864"/>
+              <a:gd name="connsiteX1" fmla="*/ 1348770 w 5737890"/>
+              <a:gd name="connsiteY1" fmla="*/ 4621184 h 5578864"/>
+              <a:gd name="connsiteX2" fmla="*/ 2590567 w 5737890"/>
+              <a:gd name="connsiteY2" fmla="*/ 3533740 h 5578864"/>
+              <a:gd name="connsiteX3" fmla="*/ 3691453 w 5737890"/>
+              <a:gd name="connsiteY3" fmla="*/ 2553845 h 5578864"/>
+              <a:gd name="connsiteX4" fmla="*/ 4781029 w 5737890"/>
+              <a:gd name="connsiteY4" fmla="*/ 1311720 h 5578864"/>
+              <a:gd name="connsiteX5" fmla="*/ 5737890 w 5737890"/>
+              <a:gd name="connsiteY5" fmla="*/ 0 h 5578864"/>
+              <a:gd name="connsiteX0" fmla="*/ 0 w 5737890"/>
+              <a:gd name="connsiteY0" fmla="*/ 5578864 h 5578864"/>
+              <a:gd name="connsiteX1" fmla="*/ 1348770 w 5737890"/>
+              <a:gd name="connsiteY1" fmla="*/ 4621184 h 5578864"/>
+              <a:gd name="connsiteX2" fmla="*/ 2590567 w 5737890"/>
+              <a:gd name="connsiteY2" fmla="*/ 3533740 h 5578864"/>
+              <a:gd name="connsiteX3" fmla="*/ 3653746 w 5737890"/>
+              <a:gd name="connsiteY3" fmla="*/ 2525565 h 5578864"/>
+              <a:gd name="connsiteX4" fmla="*/ 4781029 w 5737890"/>
+              <a:gd name="connsiteY4" fmla="*/ 1311720 h 5578864"/>
+              <a:gd name="connsiteX5" fmla="*/ 5737890 w 5737890"/>
+              <a:gd name="connsiteY5" fmla="*/ 0 h 5578864"/>
+              <a:gd name="connsiteX0" fmla="*/ 0 w 5737890"/>
+              <a:gd name="connsiteY0" fmla="*/ 5578864 h 5578864"/>
+              <a:gd name="connsiteX1" fmla="*/ 1377051 w 5737890"/>
+              <a:gd name="connsiteY1" fmla="*/ 4564623 h 5578864"/>
+              <a:gd name="connsiteX2" fmla="*/ 2590567 w 5737890"/>
+              <a:gd name="connsiteY2" fmla="*/ 3533740 h 5578864"/>
+              <a:gd name="connsiteX3" fmla="*/ 3653746 w 5737890"/>
+              <a:gd name="connsiteY3" fmla="*/ 2525565 h 5578864"/>
+              <a:gd name="connsiteX4" fmla="*/ 4781029 w 5737890"/>
+              <a:gd name="connsiteY4" fmla="*/ 1311720 h 5578864"/>
+              <a:gd name="connsiteX5" fmla="*/ 5737890 w 5737890"/>
+              <a:gd name="connsiteY5" fmla="*/ 0 h 5578864"/>
+            </a:gdLst>
+            <a:ahLst/>
+            <a:cxnLst>
+              <a:cxn ang="0">
+                <a:pos x="connsiteX0" y="connsiteY0"/>
+              </a:cxn>
+              <a:cxn ang="0">
+                <a:pos x="connsiteX1" y="connsiteY1"/>
+              </a:cxn>
+              <a:cxn ang="0">
+                <a:pos x="connsiteX2" y="connsiteY2"/>
+              </a:cxn>
+              <a:cxn ang="0">
+                <a:pos x="connsiteX3" y="connsiteY3"/>
+              </a:cxn>
+              <a:cxn ang="0">
+                <a:pos x="connsiteX4" y="connsiteY4"/>
+              </a:cxn>
+              <a:cxn ang="0">
+                <a:pos x="connsiteX5" y="connsiteY5"/>
+              </a:cxn>
+            </a:cxnLst>
+            <a:rect l="l" t="t" r="r" b="b"/>
+            <a:pathLst>
+              <a:path w="5737890" h="5578864">
+                <a:moveTo>
+                  <a:pt x="0" y="5578864"/>
+                </a:moveTo>
+                <a:cubicBezTo>
+                  <a:pt x="373048" y="5340325"/>
+                  <a:pt x="945290" y="4905477"/>
+                  <a:pt x="1377051" y="4564623"/>
+                </a:cubicBezTo>
+                <a:cubicBezTo>
+                  <a:pt x="1808812" y="4223769"/>
+                  <a:pt x="2206404" y="3856301"/>
+                  <a:pt x="2590567" y="3533740"/>
+                </a:cubicBezTo>
+                <a:cubicBezTo>
+                  <a:pt x="2974730" y="3211179"/>
+                  <a:pt x="3288669" y="2895902"/>
+                  <a:pt x="3653746" y="2525565"/>
+                </a:cubicBezTo>
+                <a:cubicBezTo>
+                  <a:pt x="4018823" y="2155228"/>
+                  <a:pt x="4443099" y="1735790"/>
+                  <a:pt x="4781029" y="1311720"/>
+                </a:cubicBezTo>
+                <a:cubicBezTo>
+                  <a:pt x="5118959" y="887650"/>
+                  <a:pt x="5606694" y="178904"/>
+                  <a:pt x="5737890" y="0"/>
+                </a:cubicBezTo>
+              </a:path>
+            </a:pathLst>
+          </a:custGeom>
+          <a:noFill/>
+          <a:ln w="15875">
+            <a:headEnd type="none" w="med" len="med"/>
+            <a:tailEnd type="triangle" w="lg" len="lg"/>
+          </a:ln>
+        </p:spPr>
+        <p:style>
+          <a:lnRef idx="2">
+            <a:schemeClr val="accent1">
+              <a:shade val="50000"/>
+            </a:schemeClr>
+          </a:lnRef>
+          <a:fillRef idx="1">
+            <a:schemeClr val="accent1"/>
+          </a:fillRef>
+          <a:effectRef idx="0">
+            <a:schemeClr val="accent1"/>
+          </a:effectRef>
+          <a:fontRef idx="minor">
+            <a:schemeClr val="lt1"/>
+          </a:fontRef>
+        </p:style>
+        <p:txBody>
+          <a:bodyPr rtlCol="0" anchor="ctr"/>
+          <a:lstStyle/>
+          <a:p>
+            <a:pPr algn="ctr"/>
+            <a:endParaRPr kumimoji="1" lang="ja-JP" altLang="en-US" dirty="0"/>
+          </a:p>
+        </p:txBody>
+      </p:sp>
+      <p:sp>
+        <p:nvSpPr>
+          <p:cNvPr id="5" name="フリーフォーム: 図形 4">
+            <a:extLst>
+              <a:ext uri="{FF2B5EF4-FFF2-40B4-BE49-F238E27FC236}">
+                <a16:creationId xmlns:a16="http://schemas.microsoft.com/office/drawing/2014/main" id="{03B07A8D-2CAC-45B2-9EC5-8C3928561017}"/>
+              </a:ext>
+            </a:extLst>
+          </p:cNvPr>
+          <p:cNvSpPr/>
+          <p:nvPr/>
+        </p:nvSpPr>
+        <p:spPr>
+          <a:xfrm>
+            <a:off x="3450211" y="5685759"/>
+            <a:ext cx="513720" cy="187141"/>
+          </a:xfrm>
+          <a:custGeom>
+            <a:avLst/>
+            <a:gdLst>
+              <a:gd name="connsiteX0" fmla="*/ 0 w 5756744"/>
+              <a:gd name="connsiteY0" fmla="*/ 5597718 h 5597718"/>
+              <a:gd name="connsiteX1" fmla="*/ 1367624 w 5756744"/>
+              <a:gd name="connsiteY1" fmla="*/ 4611757 h 5597718"/>
+              <a:gd name="connsiteX2" fmla="*/ 3729161 w 5756744"/>
+              <a:gd name="connsiteY2" fmla="*/ 2544418 h 5597718"/>
+              <a:gd name="connsiteX3" fmla="*/ 4969565 w 5756744"/>
+              <a:gd name="connsiteY3" fmla="*/ 1160891 h 5597718"/>
+              <a:gd name="connsiteX4" fmla="*/ 5756744 w 5756744"/>
+              <a:gd name="connsiteY4" fmla="*/ 0 h 5597718"/>
+              <a:gd name="connsiteX0" fmla="*/ 0 w 5766171"/>
+              <a:gd name="connsiteY0" fmla="*/ 5560011 h 5560011"/>
+              <a:gd name="connsiteX1" fmla="*/ 1367624 w 5766171"/>
+              <a:gd name="connsiteY1" fmla="*/ 4574050 h 5560011"/>
+              <a:gd name="connsiteX2" fmla="*/ 3729161 w 5766171"/>
+              <a:gd name="connsiteY2" fmla="*/ 2506711 h 5560011"/>
+              <a:gd name="connsiteX3" fmla="*/ 4969565 w 5766171"/>
+              <a:gd name="connsiteY3" fmla="*/ 1123184 h 5560011"/>
+              <a:gd name="connsiteX4" fmla="*/ 5766171 w 5766171"/>
+              <a:gd name="connsiteY4" fmla="*/ 0 h 5560011"/>
+              <a:gd name="connsiteX0" fmla="*/ 0 w 5766171"/>
+              <a:gd name="connsiteY0" fmla="*/ 5560011 h 5560011"/>
+              <a:gd name="connsiteX1" fmla="*/ 1367624 w 5766171"/>
+              <a:gd name="connsiteY1" fmla="*/ 4574050 h 5560011"/>
+              <a:gd name="connsiteX2" fmla="*/ 3729161 w 5766171"/>
+              <a:gd name="connsiteY2" fmla="*/ 2506711 h 5560011"/>
+              <a:gd name="connsiteX3" fmla="*/ 4875297 w 5766171"/>
+              <a:gd name="connsiteY3" fmla="*/ 1283439 h 5560011"/>
+              <a:gd name="connsiteX4" fmla="*/ 5766171 w 5766171"/>
+              <a:gd name="connsiteY4" fmla="*/ 0 h 5560011"/>
+              <a:gd name="connsiteX0" fmla="*/ 0 w 5766171"/>
+              <a:gd name="connsiteY0" fmla="*/ 5560011 h 5560011"/>
+              <a:gd name="connsiteX1" fmla="*/ 1367624 w 5766171"/>
+              <a:gd name="connsiteY1" fmla="*/ 4574050 h 5560011"/>
+              <a:gd name="connsiteX2" fmla="*/ 3672600 w 5766171"/>
+              <a:gd name="connsiteY2" fmla="*/ 2638686 h 5560011"/>
+              <a:gd name="connsiteX3" fmla="*/ 4875297 w 5766171"/>
+              <a:gd name="connsiteY3" fmla="*/ 1283439 h 5560011"/>
+              <a:gd name="connsiteX4" fmla="*/ 5766171 w 5766171"/>
+              <a:gd name="connsiteY4" fmla="*/ 0 h 5560011"/>
+              <a:gd name="connsiteX0" fmla="*/ 0 w 5766171"/>
+              <a:gd name="connsiteY0" fmla="*/ 5560011 h 5560011"/>
+              <a:gd name="connsiteX1" fmla="*/ 1367624 w 5766171"/>
+              <a:gd name="connsiteY1" fmla="*/ 4574050 h 5560011"/>
+              <a:gd name="connsiteX2" fmla="*/ 2515153 w 5766171"/>
+              <a:gd name="connsiteY2" fmla="*/ 3618582 h 5560011"/>
+              <a:gd name="connsiteX3" fmla="*/ 3672600 w 5766171"/>
+              <a:gd name="connsiteY3" fmla="*/ 2638686 h 5560011"/>
+              <a:gd name="connsiteX4" fmla="*/ 4875297 w 5766171"/>
+              <a:gd name="connsiteY4" fmla="*/ 1283439 h 5560011"/>
+              <a:gd name="connsiteX5" fmla="*/ 5766171 w 5766171"/>
+              <a:gd name="connsiteY5" fmla="*/ 0 h 5560011"/>
+              <a:gd name="connsiteX0" fmla="*/ 0 w 5766171"/>
+              <a:gd name="connsiteY0" fmla="*/ 5560011 h 5560011"/>
+              <a:gd name="connsiteX1" fmla="*/ 1367624 w 5766171"/>
+              <a:gd name="connsiteY1" fmla="*/ 4574050 h 5560011"/>
+              <a:gd name="connsiteX2" fmla="*/ 2543434 w 5766171"/>
+              <a:gd name="connsiteY2" fmla="*/ 3656289 h 5560011"/>
+              <a:gd name="connsiteX3" fmla="*/ 3672600 w 5766171"/>
+              <a:gd name="connsiteY3" fmla="*/ 2638686 h 5560011"/>
+              <a:gd name="connsiteX4" fmla="*/ 4875297 w 5766171"/>
+              <a:gd name="connsiteY4" fmla="*/ 1283439 h 5560011"/>
+              <a:gd name="connsiteX5" fmla="*/ 5766171 w 5766171"/>
+              <a:gd name="connsiteY5" fmla="*/ 0 h 5560011"/>
+              <a:gd name="connsiteX0" fmla="*/ 0 w 5766171"/>
+              <a:gd name="connsiteY0" fmla="*/ 5560011 h 5560011"/>
+              <a:gd name="connsiteX1" fmla="*/ 1377051 w 5766171"/>
+              <a:gd name="connsiteY1" fmla="*/ 4621184 h 5560011"/>
+              <a:gd name="connsiteX2" fmla="*/ 2543434 w 5766171"/>
+              <a:gd name="connsiteY2" fmla="*/ 3656289 h 5560011"/>
+              <a:gd name="connsiteX3" fmla="*/ 3672600 w 5766171"/>
+              <a:gd name="connsiteY3" fmla="*/ 2638686 h 5560011"/>
+              <a:gd name="connsiteX4" fmla="*/ 4875297 w 5766171"/>
+              <a:gd name="connsiteY4" fmla="*/ 1283439 h 5560011"/>
+              <a:gd name="connsiteX5" fmla="*/ 5766171 w 5766171"/>
+              <a:gd name="connsiteY5" fmla="*/ 0 h 5560011"/>
+              <a:gd name="connsiteX0" fmla="*/ 0 w 5737890"/>
+              <a:gd name="connsiteY0" fmla="*/ 5578864 h 5578864"/>
+              <a:gd name="connsiteX1" fmla="*/ 1348770 w 5737890"/>
+              <a:gd name="connsiteY1" fmla="*/ 4621184 h 5578864"/>
+              <a:gd name="connsiteX2" fmla="*/ 2515153 w 5737890"/>
+              <a:gd name="connsiteY2" fmla="*/ 3656289 h 5578864"/>
+              <a:gd name="connsiteX3" fmla="*/ 3644319 w 5737890"/>
+              <a:gd name="connsiteY3" fmla="*/ 2638686 h 5578864"/>
+              <a:gd name="connsiteX4" fmla="*/ 4847016 w 5737890"/>
+              <a:gd name="connsiteY4" fmla="*/ 1283439 h 5578864"/>
+              <a:gd name="connsiteX5" fmla="*/ 5737890 w 5737890"/>
+              <a:gd name="connsiteY5" fmla="*/ 0 h 5578864"/>
+              <a:gd name="connsiteX0" fmla="*/ 0 w 5737890"/>
+              <a:gd name="connsiteY0" fmla="*/ 5578864 h 5578864"/>
+              <a:gd name="connsiteX1" fmla="*/ 1348770 w 5737890"/>
+              <a:gd name="connsiteY1" fmla="*/ 4621184 h 5578864"/>
+              <a:gd name="connsiteX2" fmla="*/ 2515153 w 5737890"/>
+              <a:gd name="connsiteY2" fmla="*/ 3656289 h 5578864"/>
+              <a:gd name="connsiteX3" fmla="*/ 3644319 w 5737890"/>
+              <a:gd name="connsiteY3" fmla="*/ 2638686 h 5578864"/>
+              <a:gd name="connsiteX4" fmla="*/ 4781029 w 5737890"/>
+              <a:gd name="connsiteY4" fmla="*/ 1311720 h 5578864"/>
+              <a:gd name="connsiteX5" fmla="*/ 5737890 w 5737890"/>
+              <a:gd name="connsiteY5" fmla="*/ 0 h 5578864"/>
+              <a:gd name="connsiteX0" fmla="*/ 0 w 5737890"/>
+              <a:gd name="connsiteY0" fmla="*/ 5578864 h 5578864"/>
+              <a:gd name="connsiteX1" fmla="*/ 1348770 w 5737890"/>
+              <a:gd name="connsiteY1" fmla="*/ 4621184 h 5578864"/>
+              <a:gd name="connsiteX2" fmla="*/ 2515153 w 5737890"/>
+              <a:gd name="connsiteY2" fmla="*/ 3656289 h 5578864"/>
+              <a:gd name="connsiteX3" fmla="*/ 3691453 w 5737890"/>
+              <a:gd name="connsiteY3" fmla="*/ 2553845 h 5578864"/>
+              <a:gd name="connsiteX4" fmla="*/ 4781029 w 5737890"/>
+              <a:gd name="connsiteY4" fmla="*/ 1311720 h 5578864"/>
+              <a:gd name="connsiteX5" fmla="*/ 5737890 w 5737890"/>
+              <a:gd name="connsiteY5" fmla="*/ 0 h 5578864"/>
+              <a:gd name="connsiteX0" fmla="*/ 0 w 5737890"/>
+              <a:gd name="connsiteY0" fmla="*/ 5578864 h 5578864"/>
+              <a:gd name="connsiteX1" fmla="*/ 1348770 w 5737890"/>
+              <a:gd name="connsiteY1" fmla="*/ 4621184 h 5578864"/>
+              <a:gd name="connsiteX2" fmla="*/ 2590567 w 5737890"/>
+              <a:gd name="connsiteY2" fmla="*/ 3533740 h 5578864"/>
+              <a:gd name="connsiteX3" fmla="*/ 3691453 w 5737890"/>
+              <a:gd name="connsiteY3" fmla="*/ 2553845 h 5578864"/>
+              <a:gd name="connsiteX4" fmla="*/ 4781029 w 5737890"/>
+              <a:gd name="connsiteY4" fmla="*/ 1311720 h 5578864"/>
+              <a:gd name="connsiteX5" fmla="*/ 5737890 w 5737890"/>
+              <a:gd name="connsiteY5" fmla="*/ 0 h 5578864"/>
+              <a:gd name="connsiteX0" fmla="*/ 0 w 5737890"/>
+              <a:gd name="connsiteY0" fmla="*/ 5578864 h 5578864"/>
+              <a:gd name="connsiteX1" fmla="*/ 1348770 w 5737890"/>
+              <a:gd name="connsiteY1" fmla="*/ 4621184 h 5578864"/>
+              <a:gd name="connsiteX2" fmla="*/ 2590567 w 5737890"/>
+              <a:gd name="connsiteY2" fmla="*/ 3533740 h 5578864"/>
+              <a:gd name="connsiteX3" fmla="*/ 3653746 w 5737890"/>
+              <a:gd name="connsiteY3" fmla="*/ 2525565 h 5578864"/>
+              <a:gd name="connsiteX4" fmla="*/ 4781029 w 5737890"/>
+              <a:gd name="connsiteY4" fmla="*/ 1311720 h 5578864"/>
+              <a:gd name="connsiteX5" fmla="*/ 5737890 w 5737890"/>
+              <a:gd name="connsiteY5" fmla="*/ 0 h 5578864"/>
+              <a:gd name="connsiteX0" fmla="*/ 0 w 5737890"/>
+              <a:gd name="connsiteY0" fmla="*/ 5578864 h 5578864"/>
+              <a:gd name="connsiteX1" fmla="*/ 1377051 w 5737890"/>
+              <a:gd name="connsiteY1" fmla="*/ 4564623 h 5578864"/>
+              <a:gd name="connsiteX2" fmla="*/ 2590567 w 5737890"/>
+              <a:gd name="connsiteY2" fmla="*/ 3533740 h 5578864"/>
+              <a:gd name="connsiteX3" fmla="*/ 3653746 w 5737890"/>
+              <a:gd name="connsiteY3" fmla="*/ 2525565 h 5578864"/>
+              <a:gd name="connsiteX4" fmla="*/ 4781029 w 5737890"/>
+              <a:gd name="connsiteY4" fmla="*/ 1311720 h 5578864"/>
+              <a:gd name="connsiteX5" fmla="*/ 5737890 w 5737890"/>
+              <a:gd name="connsiteY5" fmla="*/ 0 h 5578864"/>
+              <a:gd name="connsiteX0" fmla="*/ 0 w 4360839"/>
+              <a:gd name="connsiteY0" fmla="*/ 4564623 h 4564623"/>
+              <a:gd name="connsiteX1" fmla="*/ 1213516 w 4360839"/>
+              <a:gd name="connsiteY1" fmla="*/ 3533740 h 4564623"/>
+              <a:gd name="connsiteX2" fmla="*/ 2276695 w 4360839"/>
+              <a:gd name="connsiteY2" fmla="*/ 2525565 h 4564623"/>
+              <a:gd name="connsiteX3" fmla="*/ 3403978 w 4360839"/>
+              <a:gd name="connsiteY3" fmla="*/ 1311720 h 4564623"/>
+              <a:gd name="connsiteX4" fmla="*/ 4360839 w 4360839"/>
+              <a:gd name="connsiteY4" fmla="*/ 0 h 4564623"/>
+              <a:gd name="connsiteX0" fmla="*/ 0 w 3147323"/>
+              <a:gd name="connsiteY0" fmla="*/ 3533740 h 3533740"/>
+              <a:gd name="connsiteX1" fmla="*/ 1063179 w 3147323"/>
+              <a:gd name="connsiteY1" fmla="*/ 2525565 h 3533740"/>
+              <a:gd name="connsiteX2" fmla="*/ 2190462 w 3147323"/>
+              <a:gd name="connsiteY2" fmla="*/ 1311720 h 3533740"/>
+              <a:gd name="connsiteX3" fmla="*/ 3147323 w 3147323"/>
+              <a:gd name="connsiteY3" fmla="*/ 0 h 3533740"/>
+              <a:gd name="connsiteX0" fmla="*/ 0 w 2084144"/>
+              <a:gd name="connsiteY0" fmla="*/ 2525565 h 2525565"/>
+              <a:gd name="connsiteX1" fmla="*/ 1127283 w 2084144"/>
+              <a:gd name="connsiteY1" fmla="*/ 1311720 h 2525565"/>
+              <a:gd name="connsiteX2" fmla="*/ 2084144 w 2084144"/>
+              <a:gd name="connsiteY2" fmla="*/ 0 h 2525565"/>
+              <a:gd name="connsiteX0" fmla="*/ 0 w 956861"/>
+              <a:gd name="connsiteY0" fmla="*/ 1311720 h 1311720"/>
+              <a:gd name="connsiteX1" fmla="*/ 956861 w 956861"/>
+              <a:gd name="connsiteY1" fmla="*/ 0 h 1311720"/>
+              <a:gd name="connsiteX0" fmla="*/ 0 w 5491154"/>
+              <a:gd name="connsiteY0" fmla="*/ 5214417 h 5214417"/>
+              <a:gd name="connsiteX1" fmla="*/ 5491154 w 5491154"/>
+              <a:gd name="connsiteY1" fmla="*/ 0 h 5214417"/>
+              <a:gd name="connsiteX0" fmla="*/ 377058 w 458451"/>
+              <a:gd name="connsiteY0" fmla="*/ 128003 h 332841"/>
+              <a:gd name="connsiteX1" fmla="*/ 14166 w 458451"/>
+              <a:gd name="connsiteY1" fmla="*/ 305718 h 332841"/>
+              <a:gd name="connsiteX0" fmla="*/ 379801 w 412561"/>
+              <a:gd name="connsiteY0" fmla="*/ 20287 h 238505"/>
+              <a:gd name="connsiteX1" fmla="*/ 16909 w 412561"/>
+              <a:gd name="connsiteY1" fmla="*/ 198002 h 238505"/>
+              <a:gd name="connsiteX0" fmla="*/ 379801 w 412561"/>
+              <a:gd name="connsiteY0" fmla="*/ 20287 h 238505"/>
+              <a:gd name="connsiteX1" fmla="*/ 16909 w 412561"/>
+              <a:gd name="connsiteY1" fmla="*/ 198002 h 238505"/>
+              <a:gd name="connsiteX0" fmla="*/ 306257 w 342447"/>
+              <a:gd name="connsiteY0" fmla="*/ 21792 h 205092"/>
+              <a:gd name="connsiteX1" fmla="*/ 18780 w 342447"/>
+              <a:gd name="connsiteY1" fmla="*/ 161799 h 205092"/>
+              <a:gd name="connsiteX0" fmla="*/ 306010 w 345097"/>
+              <a:gd name="connsiteY0" fmla="*/ 9679 h 196749"/>
+              <a:gd name="connsiteX1" fmla="*/ 18533 w 345097"/>
+              <a:gd name="connsiteY1" fmla="*/ 149686 h 196749"/>
+              <a:gd name="connsiteX0" fmla="*/ 287477 w 351232"/>
+              <a:gd name="connsiteY0" fmla="*/ 19899 h 159906"/>
+              <a:gd name="connsiteX1" fmla="*/ 0 w 351232"/>
+              <a:gd name="connsiteY1" fmla="*/ 159906 h 159906"/>
+              <a:gd name="connsiteX0" fmla="*/ 315757 w 375942"/>
+              <a:gd name="connsiteY0" fmla="*/ 16365 h 203506"/>
+              <a:gd name="connsiteX1" fmla="*/ 0 w 375942"/>
+              <a:gd name="connsiteY1" fmla="*/ 203506 h 203506"/>
+              <a:gd name="connsiteX0" fmla="*/ 315757 w 395342"/>
+              <a:gd name="connsiteY0" fmla="*/ 26453 h 213594"/>
+              <a:gd name="connsiteX1" fmla="*/ 0 w 395342"/>
+              <a:gd name="connsiteY1" fmla="*/ 213594 h 213594"/>
+              <a:gd name="connsiteX0" fmla="*/ 466586 w 524393"/>
+              <a:gd name="connsiteY0" fmla="*/ 17155 h 298564"/>
+              <a:gd name="connsiteX1" fmla="*/ 0 w 524393"/>
+              <a:gd name="connsiteY1" fmla="*/ 298564 h 298564"/>
+              <a:gd name="connsiteX0" fmla="*/ 466586 w 466586"/>
+              <a:gd name="connsiteY0" fmla="*/ 0 h 281409"/>
+              <a:gd name="connsiteX1" fmla="*/ 0 w 466586"/>
+              <a:gd name="connsiteY1" fmla="*/ 281409 h 281409"/>
+              <a:gd name="connsiteX0" fmla="*/ 466586 w 466586"/>
+              <a:gd name="connsiteY0" fmla="*/ 0 h 262555"/>
+              <a:gd name="connsiteX1" fmla="*/ 0 w 466586"/>
+              <a:gd name="connsiteY1" fmla="*/ 262555 h 262555"/>
+              <a:gd name="connsiteX0" fmla="*/ 466586 w 466586"/>
+              <a:gd name="connsiteY0" fmla="*/ 0 h 262555"/>
+              <a:gd name="connsiteX1" fmla="*/ 0 w 466586"/>
+              <a:gd name="connsiteY1" fmla="*/ 262555 h 262555"/>
+              <a:gd name="connsiteX0" fmla="*/ 513720 w 513720"/>
+              <a:gd name="connsiteY0" fmla="*/ 0 h 187141"/>
+              <a:gd name="connsiteX1" fmla="*/ 0 w 513720"/>
+              <a:gd name="connsiteY1" fmla="*/ 187141 h 187141"/>
+              <a:gd name="connsiteX0" fmla="*/ 513720 w 513720"/>
+              <a:gd name="connsiteY0" fmla="*/ 0 h 187141"/>
+              <a:gd name="connsiteX1" fmla="*/ 0 w 513720"/>
+              <a:gd name="connsiteY1" fmla="*/ 187141 h 187141"/>
+              <a:gd name="connsiteX0" fmla="*/ 513720 w 513720"/>
+              <a:gd name="connsiteY0" fmla="*/ 0 h 187141"/>
+              <a:gd name="connsiteX1" fmla="*/ 0 w 513720"/>
+              <a:gd name="connsiteY1" fmla="*/ 187141 h 187141"/>
+            </a:gdLst>
+            <a:ahLst/>
+            <a:cxnLst>
+              <a:cxn ang="0">
+                <a:pos x="connsiteX0" y="connsiteY0"/>
+              </a:cxn>
+              <a:cxn ang="0">
+                <a:pos x="connsiteX1" y="connsiteY1"/>
+              </a:cxn>
+            </a:cxnLst>
+            <a:rect l="l" t="t" r="r" b="b"/>
+            <a:pathLst>
+              <a:path w="513720" h="187141">
+                <a:moveTo>
+                  <a:pt x="513720" y="0"/>
+                </a:moveTo>
+                <a:cubicBezTo>
+                  <a:pt x="323749" y="94405"/>
+                  <a:pt x="330718" y="73815"/>
+                  <a:pt x="0" y="187141"/>
+                </a:cubicBezTo>
+              </a:path>
+            </a:pathLst>
+          </a:custGeom>
+          <a:noFill/>
+          <a:ln w="12700">
+            <a:headEnd type="none" w="med" len="med"/>
+            <a:tailEnd type="triangle" w="lg" len="lg"/>
+          </a:ln>
+        </p:spPr>
+        <p:style>
+          <a:lnRef idx="2">
+            <a:schemeClr val="accent1">
+              <a:shade val="50000"/>
+            </a:schemeClr>
+          </a:lnRef>
+          <a:fillRef idx="1">
+            <a:schemeClr val="accent1"/>
+          </a:fillRef>
+          <a:effectRef idx="0">
+            <a:schemeClr val="accent1"/>
+          </a:effectRef>
+          <a:fontRef idx="minor">
+            <a:schemeClr val="lt1"/>
+          </a:fontRef>
+        </p:style>
+        <p:txBody>
+          <a:bodyPr rtlCol="0" anchor="ctr"/>
+          <a:lstStyle/>
+          <a:p>
+            <a:pPr algn="ctr"/>
+            <a:endParaRPr kumimoji="1" lang="ja-JP" altLang="en-US" dirty="0"/>
+          </a:p>
+        </p:txBody>
+      </p:sp>
+      <p:sp>
+        <p:nvSpPr>
+          <p:cNvPr id="6" name="テキスト ボックス 5">
+            <a:extLst>
+              <a:ext uri="{FF2B5EF4-FFF2-40B4-BE49-F238E27FC236}">
+                <a16:creationId xmlns:a16="http://schemas.microsoft.com/office/drawing/2014/main" id="{955A1C60-B104-4A2F-9F0F-153DDE290811}"/>
+              </a:ext>
+            </a:extLst>
+          </p:cNvPr>
+          <p:cNvSpPr txBox="1"/>
+          <p:nvPr/>
+        </p:nvSpPr>
+        <p:spPr>
+          <a:xfrm>
+            <a:off x="5213022" y="3789985"/>
+            <a:ext cx="1508289" cy="369332"/>
+          </a:xfrm>
+          <a:prstGeom prst="rect">
+            <a:avLst/>
+          </a:prstGeom>
+          <a:noFill/>
+        </p:spPr>
+        <p:txBody>
+          <a:bodyPr wrap="square" rtlCol="0">
+            <a:noAutofit/>
+          </a:bodyPr>
+          <a:lstStyle/>
+          <a:p>
+            <a:r>
+              <a:rPr kumimoji="1" lang="en-US" altLang="ja-JP" dirty="0"/>
+              <a:t>Const. p</a:t>
+            </a:r>
+            <a:endParaRPr kumimoji="1" lang="ja-JP" altLang="en-US" dirty="0"/>
+          </a:p>
+        </p:txBody>
+      </p:sp>
+      <p:sp>
+        <p:nvSpPr>
+          <p:cNvPr id="7" name="テキスト ボックス 6">
+            <a:extLst>
+              <a:ext uri="{FF2B5EF4-FFF2-40B4-BE49-F238E27FC236}">
+                <a16:creationId xmlns:a16="http://schemas.microsoft.com/office/drawing/2014/main" id="{EBA9AFCE-FA03-4C41-BBEC-ECA1077D50A6}"/>
+              </a:ext>
+            </a:extLst>
+          </p:cNvPr>
+          <p:cNvSpPr txBox="1"/>
+          <p:nvPr/>
+        </p:nvSpPr>
+        <p:spPr>
+          <a:xfrm>
+            <a:off x="7524160" y="4119253"/>
+            <a:ext cx="1508289" cy="369332"/>
+          </a:xfrm>
+          <a:prstGeom prst="rect">
+            <a:avLst/>
+          </a:prstGeom>
+          <a:noFill/>
+        </p:spPr>
+        <p:txBody>
+          <a:bodyPr wrap="square" rtlCol="0">
+            <a:noAutofit/>
+          </a:bodyPr>
+          <a:lstStyle/>
+          <a:p>
+            <a:r>
+              <a:rPr kumimoji="1" lang="en-US" altLang="ja-JP" dirty="0"/>
+              <a:t>Const. p</a:t>
+            </a:r>
+            <a:endParaRPr kumimoji="1" lang="ja-JP" altLang="en-US" dirty="0"/>
+          </a:p>
+        </p:txBody>
+      </p:sp>
+    </p:spTree>
+    <p:extLst>
+      <p:ext uri="{BB962C8B-B14F-4D97-AF65-F5344CB8AC3E}">
+        <p14:creationId xmlns:p14="http://schemas.microsoft.com/office/powerpoint/2010/main" val="909833339"/>
+      </p:ext>
+    </p:extLst>
+  </p:cSld>
+  <p:clrMapOvr>
+    <a:masterClrMapping/>
+  </p:clrMapOvr>
+</p:sld>
+</file>
+
+<file path=ppt/slides/slide4.xml><?xml version="1.0" encoding="utf-8"?>
+<p:sld xmlns:a="http://schemas.openxmlformats.org/drawingml/2006/main" xmlns:r="http://schemas.openxmlformats.org/officeDocument/2006/relationships" xmlns:p="http://schemas.openxmlformats.org/presentationml/2006/main">
+  <p:cSld>
+    <p:spTree>
+      <p:nvGrpSpPr>
+        <p:cNvPr id="1" name=""/>
+        <p:cNvGrpSpPr/>
+        <p:nvPr/>
+      </p:nvGrpSpPr>
+      <p:grpSpPr>
+        <a:xfrm>
+          <a:off x="0" y="0"/>
+          <a:ext cx="0" cy="0"/>
+          <a:chOff x="0" y="0"/>
+          <a:chExt cx="0" cy="0"/>
+        </a:xfrm>
+      </p:grpSpPr>
+      <p:pic>
+        <p:nvPicPr>
+          <p:cNvPr id="3" name="図 2">
+            <a:extLst>
+              <a:ext uri="{FF2B5EF4-FFF2-40B4-BE49-F238E27FC236}">
                 <a16:creationId xmlns:a16="http://schemas.microsoft.com/office/drawing/2014/main" id="{EA36939C-371A-4BCE-945C-837D00B37E3F}"/>
               </a:ext>
             </a:extLst>
@@ -3735,7 +5138,1399 @@
 </p:sld>
 </file>
 
-<file path=ppt/slides/slide3.xml><?xml version="1.0" encoding="utf-8"?>
+<file path=ppt/slides/slide5.xml><?xml version="1.0" encoding="utf-8"?>
+<p:sld xmlns:a="http://schemas.openxmlformats.org/drawingml/2006/main" xmlns:r="http://schemas.openxmlformats.org/officeDocument/2006/relationships" xmlns:p="http://schemas.openxmlformats.org/presentationml/2006/main">
+  <p:cSld>
+    <p:spTree>
+      <p:nvGrpSpPr>
+        <p:cNvPr id="1" name=""/>
+        <p:cNvGrpSpPr/>
+        <p:nvPr/>
+      </p:nvGrpSpPr>
+      <p:grpSpPr>
+        <a:xfrm>
+          <a:off x="0" y="0"/>
+          <a:ext cx="0" cy="0"/>
+          <a:chOff x="0" y="0"/>
+          <a:chExt cx="0" cy="0"/>
+        </a:xfrm>
+      </p:grpSpPr>
+      <p:pic>
+        <p:nvPicPr>
+          <p:cNvPr id="3" name="図 2">
+            <a:extLst>
+              <a:ext uri="{FF2B5EF4-FFF2-40B4-BE49-F238E27FC236}">
+                <a16:creationId xmlns:a16="http://schemas.microsoft.com/office/drawing/2014/main" id="{B69C8F1C-F943-4B36-8D1B-E9658991DF07}"/>
+              </a:ext>
+            </a:extLst>
+          </p:cNvPr>
+          <p:cNvPicPr>
+            <a:picLocks noChangeAspect="1"/>
+          </p:cNvPicPr>
+          <p:nvPr/>
+        </p:nvPicPr>
+        <p:blipFill>
+          <a:blip r:embed="rId2">
+            <a:extLst>
+              <a:ext uri="{28A0092B-C50C-407E-A947-70E740481C1C}">
+                <a14:useLocalDpi xmlns:a14="http://schemas.microsoft.com/office/drawing/2010/main" val="0"/>
+              </a:ext>
+            </a:extLst>
+          </a:blip>
+          <a:stretch>
+            <a:fillRect/>
+          </a:stretch>
+        </p:blipFill>
+        <p:spPr>
+          <a:xfrm>
+            <a:off x="2638614" y="0"/>
+            <a:ext cx="6914771" cy="6858000"/>
+          </a:xfrm>
+          <a:prstGeom prst="rect">
+            <a:avLst/>
+          </a:prstGeom>
+        </p:spPr>
+      </p:pic>
+      <p:sp>
+        <p:nvSpPr>
+          <p:cNvPr id="4" name="フリーフォーム: 図形 3">
+            <a:extLst>
+              <a:ext uri="{FF2B5EF4-FFF2-40B4-BE49-F238E27FC236}">
+                <a16:creationId xmlns:a16="http://schemas.microsoft.com/office/drawing/2014/main" id="{55E277A8-9CE6-4391-93D9-827A88740AB7}"/>
+              </a:ext>
+            </a:extLst>
+          </p:cNvPr>
+          <p:cNvSpPr/>
+          <p:nvPr/>
+        </p:nvSpPr>
+        <p:spPr>
+          <a:xfrm>
+            <a:off x="3459637" y="538640"/>
+            <a:ext cx="5731497" cy="5578864"/>
+          </a:xfrm>
+          <a:custGeom>
+            <a:avLst/>
+            <a:gdLst>
+              <a:gd name="connsiteX0" fmla="*/ 0 w 5756744"/>
+              <a:gd name="connsiteY0" fmla="*/ 5597718 h 5597718"/>
+              <a:gd name="connsiteX1" fmla="*/ 1367624 w 5756744"/>
+              <a:gd name="connsiteY1" fmla="*/ 4611757 h 5597718"/>
+              <a:gd name="connsiteX2" fmla="*/ 3729161 w 5756744"/>
+              <a:gd name="connsiteY2" fmla="*/ 2544418 h 5597718"/>
+              <a:gd name="connsiteX3" fmla="*/ 4969565 w 5756744"/>
+              <a:gd name="connsiteY3" fmla="*/ 1160891 h 5597718"/>
+              <a:gd name="connsiteX4" fmla="*/ 5756744 w 5756744"/>
+              <a:gd name="connsiteY4" fmla="*/ 0 h 5597718"/>
+              <a:gd name="connsiteX0" fmla="*/ 0 w 5766171"/>
+              <a:gd name="connsiteY0" fmla="*/ 5560011 h 5560011"/>
+              <a:gd name="connsiteX1" fmla="*/ 1367624 w 5766171"/>
+              <a:gd name="connsiteY1" fmla="*/ 4574050 h 5560011"/>
+              <a:gd name="connsiteX2" fmla="*/ 3729161 w 5766171"/>
+              <a:gd name="connsiteY2" fmla="*/ 2506711 h 5560011"/>
+              <a:gd name="connsiteX3" fmla="*/ 4969565 w 5766171"/>
+              <a:gd name="connsiteY3" fmla="*/ 1123184 h 5560011"/>
+              <a:gd name="connsiteX4" fmla="*/ 5766171 w 5766171"/>
+              <a:gd name="connsiteY4" fmla="*/ 0 h 5560011"/>
+              <a:gd name="connsiteX0" fmla="*/ 0 w 5766171"/>
+              <a:gd name="connsiteY0" fmla="*/ 5560011 h 5560011"/>
+              <a:gd name="connsiteX1" fmla="*/ 1367624 w 5766171"/>
+              <a:gd name="connsiteY1" fmla="*/ 4574050 h 5560011"/>
+              <a:gd name="connsiteX2" fmla="*/ 3729161 w 5766171"/>
+              <a:gd name="connsiteY2" fmla="*/ 2506711 h 5560011"/>
+              <a:gd name="connsiteX3" fmla="*/ 4875297 w 5766171"/>
+              <a:gd name="connsiteY3" fmla="*/ 1283439 h 5560011"/>
+              <a:gd name="connsiteX4" fmla="*/ 5766171 w 5766171"/>
+              <a:gd name="connsiteY4" fmla="*/ 0 h 5560011"/>
+              <a:gd name="connsiteX0" fmla="*/ 0 w 5766171"/>
+              <a:gd name="connsiteY0" fmla="*/ 5560011 h 5560011"/>
+              <a:gd name="connsiteX1" fmla="*/ 1367624 w 5766171"/>
+              <a:gd name="connsiteY1" fmla="*/ 4574050 h 5560011"/>
+              <a:gd name="connsiteX2" fmla="*/ 3672600 w 5766171"/>
+              <a:gd name="connsiteY2" fmla="*/ 2638686 h 5560011"/>
+              <a:gd name="connsiteX3" fmla="*/ 4875297 w 5766171"/>
+              <a:gd name="connsiteY3" fmla="*/ 1283439 h 5560011"/>
+              <a:gd name="connsiteX4" fmla="*/ 5766171 w 5766171"/>
+              <a:gd name="connsiteY4" fmla="*/ 0 h 5560011"/>
+              <a:gd name="connsiteX0" fmla="*/ 0 w 5766171"/>
+              <a:gd name="connsiteY0" fmla="*/ 5560011 h 5560011"/>
+              <a:gd name="connsiteX1" fmla="*/ 1367624 w 5766171"/>
+              <a:gd name="connsiteY1" fmla="*/ 4574050 h 5560011"/>
+              <a:gd name="connsiteX2" fmla="*/ 2515153 w 5766171"/>
+              <a:gd name="connsiteY2" fmla="*/ 3618582 h 5560011"/>
+              <a:gd name="connsiteX3" fmla="*/ 3672600 w 5766171"/>
+              <a:gd name="connsiteY3" fmla="*/ 2638686 h 5560011"/>
+              <a:gd name="connsiteX4" fmla="*/ 4875297 w 5766171"/>
+              <a:gd name="connsiteY4" fmla="*/ 1283439 h 5560011"/>
+              <a:gd name="connsiteX5" fmla="*/ 5766171 w 5766171"/>
+              <a:gd name="connsiteY5" fmla="*/ 0 h 5560011"/>
+              <a:gd name="connsiteX0" fmla="*/ 0 w 5766171"/>
+              <a:gd name="connsiteY0" fmla="*/ 5560011 h 5560011"/>
+              <a:gd name="connsiteX1" fmla="*/ 1367624 w 5766171"/>
+              <a:gd name="connsiteY1" fmla="*/ 4574050 h 5560011"/>
+              <a:gd name="connsiteX2" fmla="*/ 2543434 w 5766171"/>
+              <a:gd name="connsiteY2" fmla="*/ 3656289 h 5560011"/>
+              <a:gd name="connsiteX3" fmla="*/ 3672600 w 5766171"/>
+              <a:gd name="connsiteY3" fmla="*/ 2638686 h 5560011"/>
+              <a:gd name="connsiteX4" fmla="*/ 4875297 w 5766171"/>
+              <a:gd name="connsiteY4" fmla="*/ 1283439 h 5560011"/>
+              <a:gd name="connsiteX5" fmla="*/ 5766171 w 5766171"/>
+              <a:gd name="connsiteY5" fmla="*/ 0 h 5560011"/>
+              <a:gd name="connsiteX0" fmla="*/ 0 w 5766171"/>
+              <a:gd name="connsiteY0" fmla="*/ 5560011 h 5560011"/>
+              <a:gd name="connsiteX1" fmla="*/ 1377051 w 5766171"/>
+              <a:gd name="connsiteY1" fmla="*/ 4621184 h 5560011"/>
+              <a:gd name="connsiteX2" fmla="*/ 2543434 w 5766171"/>
+              <a:gd name="connsiteY2" fmla="*/ 3656289 h 5560011"/>
+              <a:gd name="connsiteX3" fmla="*/ 3672600 w 5766171"/>
+              <a:gd name="connsiteY3" fmla="*/ 2638686 h 5560011"/>
+              <a:gd name="connsiteX4" fmla="*/ 4875297 w 5766171"/>
+              <a:gd name="connsiteY4" fmla="*/ 1283439 h 5560011"/>
+              <a:gd name="connsiteX5" fmla="*/ 5766171 w 5766171"/>
+              <a:gd name="connsiteY5" fmla="*/ 0 h 5560011"/>
+              <a:gd name="connsiteX0" fmla="*/ 0 w 5737890"/>
+              <a:gd name="connsiteY0" fmla="*/ 5578864 h 5578864"/>
+              <a:gd name="connsiteX1" fmla="*/ 1348770 w 5737890"/>
+              <a:gd name="connsiteY1" fmla="*/ 4621184 h 5578864"/>
+              <a:gd name="connsiteX2" fmla="*/ 2515153 w 5737890"/>
+              <a:gd name="connsiteY2" fmla="*/ 3656289 h 5578864"/>
+              <a:gd name="connsiteX3" fmla="*/ 3644319 w 5737890"/>
+              <a:gd name="connsiteY3" fmla="*/ 2638686 h 5578864"/>
+              <a:gd name="connsiteX4" fmla="*/ 4847016 w 5737890"/>
+              <a:gd name="connsiteY4" fmla="*/ 1283439 h 5578864"/>
+              <a:gd name="connsiteX5" fmla="*/ 5737890 w 5737890"/>
+              <a:gd name="connsiteY5" fmla="*/ 0 h 5578864"/>
+              <a:gd name="connsiteX0" fmla="*/ 0 w 5737890"/>
+              <a:gd name="connsiteY0" fmla="*/ 5578864 h 5578864"/>
+              <a:gd name="connsiteX1" fmla="*/ 1348770 w 5737890"/>
+              <a:gd name="connsiteY1" fmla="*/ 4621184 h 5578864"/>
+              <a:gd name="connsiteX2" fmla="*/ 2515153 w 5737890"/>
+              <a:gd name="connsiteY2" fmla="*/ 3656289 h 5578864"/>
+              <a:gd name="connsiteX3" fmla="*/ 3644319 w 5737890"/>
+              <a:gd name="connsiteY3" fmla="*/ 2638686 h 5578864"/>
+              <a:gd name="connsiteX4" fmla="*/ 4781029 w 5737890"/>
+              <a:gd name="connsiteY4" fmla="*/ 1311720 h 5578864"/>
+              <a:gd name="connsiteX5" fmla="*/ 5737890 w 5737890"/>
+              <a:gd name="connsiteY5" fmla="*/ 0 h 5578864"/>
+              <a:gd name="connsiteX0" fmla="*/ 0 w 5737890"/>
+              <a:gd name="connsiteY0" fmla="*/ 5578864 h 5578864"/>
+              <a:gd name="connsiteX1" fmla="*/ 1348770 w 5737890"/>
+              <a:gd name="connsiteY1" fmla="*/ 4621184 h 5578864"/>
+              <a:gd name="connsiteX2" fmla="*/ 2515153 w 5737890"/>
+              <a:gd name="connsiteY2" fmla="*/ 3656289 h 5578864"/>
+              <a:gd name="connsiteX3" fmla="*/ 3691453 w 5737890"/>
+              <a:gd name="connsiteY3" fmla="*/ 2553845 h 5578864"/>
+              <a:gd name="connsiteX4" fmla="*/ 4781029 w 5737890"/>
+              <a:gd name="connsiteY4" fmla="*/ 1311720 h 5578864"/>
+              <a:gd name="connsiteX5" fmla="*/ 5737890 w 5737890"/>
+              <a:gd name="connsiteY5" fmla="*/ 0 h 5578864"/>
+              <a:gd name="connsiteX0" fmla="*/ 0 w 5737890"/>
+              <a:gd name="connsiteY0" fmla="*/ 5578864 h 5578864"/>
+              <a:gd name="connsiteX1" fmla="*/ 1348770 w 5737890"/>
+              <a:gd name="connsiteY1" fmla="*/ 4621184 h 5578864"/>
+              <a:gd name="connsiteX2" fmla="*/ 2590567 w 5737890"/>
+              <a:gd name="connsiteY2" fmla="*/ 3533740 h 5578864"/>
+              <a:gd name="connsiteX3" fmla="*/ 3691453 w 5737890"/>
+              <a:gd name="connsiteY3" fmla="*/ 2553845 h 5578864"/>
+              <a:gd name="connsiteX4" fmla="*/ 4781029 w 5737890"/>
+              <a:gd name="connsiteY4" fmla="*/ 1311720 h 5578864"/>
+              <a:gd name="connsiteX5" fmla="*/ 5737890 w 5737890"/>
+              <a:gd name="connsiteY5" fmla="*/ 0 h 5578864"/>
+              <a:gd name="connsiteX0" fmla="*/ 0 w 5737890"/>
+              <a:gd name="connsiteY0" fmla="*/ 5578864 h 5578864"/>
+              <a:gd name="connsiteX1" fmla="*/ 1348770 w 5737890"/>
+              <a:gd name="connsiteY1" fmla="*/ 4621184 h 5578864"/>
+              <a:gd name="connsiteX2" fmla="*/ 2590567 w 5737890"/>
+              <a:gd name="connsiteY2" fmla="*/ 3533740 h 5578864"/>
+              <a:gd name="connsiteX3" fmla="*/ 3653746 w 5737890"/>
+              <a:gd name="connsiteY3" fmla="*/ 2525565 h 5578864"/>
+              <a:gd name="connsiteX4" fmla="*/ 4781029 w 5737890"/>
+              <a:gd name="connsiteY4" fmla="*/ 1311720 h 5578864"/>
+              <a:gd name="connsiteX5" fmla="*/ 5737890 w 5737890"/>
+              <a:gd name="connsiteY5" fmla="*/ 0 h 5578864"/>
+              <a:gd name="connsiteX0" fmla="*/ 0 w 5737890"/>
+              <a:gd name="connsiteY0" fmla="*/ 5578864 h 5578864"/>
+              <a:gd name="connsiteX1" fmla="*/ 1377051 w 5737890"/>
+              <a:gd name="connsiteY1" fmla="*/ 4564623 h 5578864"/>
+              <a:gd name="connsiteX2" fmla="*/ 2590567 w 5737890"/>
+              <a:gd name="connsiteY2" fmla="*/ 3533740 h 5578864"/>
+              <a:gd name="connsiteX3" fmla="*/ 3653746 w 5737890"/>
+              <a:gd name="connsiteY3" fmla="*/ 2525565 h 5578864"/>
+              <a:gd name="connsiteX4" fmla="*/ 4781029 w 5737890"/>
+              <a:gd name="connsiteY4" fmla="*/ 1311720 h 5578864"/>
+              <a:gd name="connsiteX5" fmla="*/ 5737890 w 5737890"/>
+              <a:gd name="connsiteY5" fmla="*/ 0 h 5578864"/>
+            </a:gdLst>
+            <a:ahLst/>
+            <a:cxnLst>
+              <a:cxn ang="0">
+                <a:pos x="connsiteX0" y="connsiteY0"/>
+              </a:cxn>
+              <a:cxn ang="0">
+                <a:pos x="connsiteX1" y="connsiteY1"/>
+              </a:cxn>
+              <a:cxn ang="0">
+                <a:pos x="connsiteX2" y="connsiteY2"/>
+              </a:cxn>
+              <a:cxn ang="0">
+                <a:pos x="connsiteX3" y="connsiteY3"/>
+              </a:cxn>
+              <a:cxn ang="0">
+                <a:pos x="connsiteX4" y="connsiteY4"/>
+              </a:cxn>
+              <a:cxn ang="0">
+                <a:pos x="connsiteX5" y="connsiteY5"/>
+              </a:cxn>
+            </a:cxnLst>
+            <a:rect l="l" t="t" r="r" b="b"/>
+            <a:pathLst>
+              <a:path w="5737890" h="5578864">
+                <a:moveTo>
+                  <a:pt x="0" y="5578864"/>
+                </a:moveTo>
+                <a:cubicBezTo>
+                  <a:pt x="373048" y="5340325"/>
+                  <a:pt x="945290" y="4905477"/>
+                  <a:pt x="1377051" y="4564623"/>
+                </a:cubicBezTo>
+                <a:cubicBezTo>
+                  <a:pt x="1808812" y="4223769"/>
+                  <a:pt x="2206404" y="3856301"/>
+                  <a:pt x="2590567" y="3533740"/>
+                </a:cubicBezTo>
+                <a:cubicBezTo>
+                  <a:pt x="2974730" y="3211179"/>
+                  <a:pt x="3288669" y="2895902"/>
+                  <a:pt x="3653746" y="2525565"/>
+                </a:cubicBezTo>
+                <a:cubicBezTo>
+                  <a:pt x="4018823" y="2155228"/>
+                  <a:pt x="4443099" y="1735790"/>
+                  <a:pt x="4781029" y="1311720"/>
+                </a:cubicBezTo>
+                <a:cubicBezTo>
+                  <a:pt x="5118959" y="887650"/>
+                  <a:pt x="5606694" y="178904"/>
+                  <a:pt x="5737890" y="0"/>
+                </a:cubicBezTo>
+              </a:path>
+            </a:pathLst>
+          </a:custGeom>
+          <a:noFill/>
+          <a:ln w="15875">
+            <a:headEnd type="none" w="med" len="med"/>
+            <a:tailEnd type="triangle" w="lg" len="lg"/>
+          </a:ln>
+        </p:spPr>
+        <p:style>
+          <a:lnRef idx="2">
+            <a:schemeClr val="accent1">
+              <a:shade val="50000"/>
+            </a:schemeClr>
+          </a:lnRef>
+          <a:fillRef idx="1">
+            <a:schemeClr val="accent1"/>
+          </a:fillRef>
+          <a:effectRef idx="0">
+            <a:schemeClr val="accent1"/>
+          </a:effectRef>
+          <a:fontRef idx="minor">
+            <a:schemeClr val="lt1"/>
+          </a:fontRef>
+        </p:style>
+        <p:txBody>
+          <a:bodyPr rtlCol="0" anchor="ctr"/>
+          <a:lstStyle/>
+          <a:p>
+            <a:pPr algn="ctr"/>
+            <a:endParaRPr kumimoji="1" lang="ja-JP" altLang="en-US" dirty="0"/>
+          </a:p>
+        </p:txBody>
+      </p:sp>
+      <p:sp>
+        <p:nvSpPr>
+          <p:cNvPr id="5" name="フリーフォーム: 図形 4">
+            <a:extLst>
+              <a:ext uri="{FF2B5EF4-FFF2-40B4-BE49-F238E27FC236}">
+                <a16:creationId xmlns:a16="http://schemas.microsoft.com/office/drawing/2014/main" id="{9F1B8EFF-D11E-47CC-AEB9-B898E66D41C5}"/>
+              </a:ext>
+            </a:extLst>
+          </p:cNvPr>
+          <p:cNvSpPr/>
+          <p:nvPr/>
+        </p:nvSpPr>
+        <p:spPr>
+          <a:xfrm>
+            <a:off x="3393648" y="5971445"/>
+            <a:ext cx="536986" cy="174340"/>
+          </a:xfrm>
+          <a:custGeom>
+            <a:avLst/>
+            <a:gdLst>
+              <a:gd name="connsiteX0" fmla="*/ 0 w 5756744"/>
+              <a:gd name="connsiteY0" fmla="*/ 5597718 h 5597718"/>
+              <a:gd name="connsiteX1" fmla="*/ 1367624 w 5756744"/>
+              <a:gd name="connsiteY1" fmla="*/ 4611757 h 5597718"/>
+              <a:gd name="connsiteX2" fmla="*/ 3729161 w 5756744"/>
+              <a:gd name="connsiteY2" fmla="*/ 2544418 h 5597718"/>
+              <a:gd name="connsiteX3" fmla="*/ 4969565 w 5756744"/>
+              <a:gd name="connsiteY3" fmla="*/ 1160891 h 5597718"/>
+              <a:gd name="connsiteX4" fmla="*/ 5756744 w 5756744"/>
+              <a:gd name="connsiteY4" fmla="*/ 0 h 5597718"/>
+              <a:gd name="connsiteX0" fmla="*/ 0 w 5766171"/>
+              <a:gd name="connsiteY0" fmla="*/ 5560011 h 5560011"/>
+              <a:gd name="connsiteX1" fmla="*/ 1367624 w 5766171"/>
+              <a:gd name="connsiteY1" fmla="*/ 4574050 h 5560011"/>
+              <a:gd name="connsiteX2" fmla="*/ 3729161 w 5766171"/>
+              <a:gd name="connsiteY2" fmla="*/ 2506711 h 5560011"/>
+              <a:gd name="connsiteX3" fmla="*/ 4969565 w 5766171"/>
+              <a:gd name="connsiteY3" fmla="*/ 1123184 h 5560011"/>
+              <a:gd name="connsiteX4" fmla="*/ 5766171 w 5766171"/>
+              <a:gd name="connsiteY4" fmla="*/ 0 h 5560011"/>
+              <a:gd name="connsiteX0" fmla="*/ 0 w 5766171"/>
+              <a:gd name="connsiteY0" fmla="*/ 5560011 h 5560011"/>
+              <a:gd name="connsiteX1" fmla="*/ 1367624 w 5766171"/>
+              <a:gd name="connsiteY1" fmla="*/ 4574050 h 5560011"/>
+              <a:gd name="connsiteX2" fmla="*/ 3729161 w 5766171"/>
+              <a:gd name="connsiteY2" fmla="*/ 2506711 h 5560011"/>
+              <a:gd name="connsiteX3" fmla="*/ 4875297 w 5766171"/>
+              <a:gd name="connsiteY3" fmla="*/ 1283439 h 5560011"/>
+              <a:gd name="connsiteX4" fmla="*/ 5766171 w 5766171"/>
+              <a:gd name="connsiteY4" fmla="*/ 0 h 5560011"/>
+              <a:gd name="connsiteX0" fmla="*/ 0 w 5766171"/>
+              <a:gd name="connsiteY0" fmla="*/ 5560011 h 5560011"/>
+              <a:gd name="connsiteX1" fmla="*/ 1367624 w 5766171"/>
+              <a:gd name="connsiteY1" fmla="*/ 4574050 h 5560011"/>
+              <a:gd name="connsiteX2" fmla="*/ 3672600 w 5766171"/>
+              <a:gd name="connsiteY2" fmla="*/ 2638686 h 5560011"/>
+              <a:gd name="connsiteX3" fmla="*/ 4875297 w 5766171"/>
+              <a:gd name="connsiteY3" fmla="*/ 1283439 h 5560011"/>
+              <a:gd name="connsiteX4" fmla="*/ 5766171 w 5766171"/>
+              <a:gd name="connsiteY4" fmla="*/ 0 h 5560011"/>
+              <a:gd name="connsiteX0" fmla="*/ 0 w 5766171"/>
+              <a:gd name="connsiteY0" fmla="*/ 5560011 h 5560011"/>
+              <a:gd name="connsiteX1" fmla="*/ 1367624 w 5766171"/>
+              <a:gd name="connsiteY1" fmla="*/ 4574050 h 5560011"/>
+              <a:gd name="connsiteX2" fmla="*/ 2515153 w 5766171"/>
+              <a:gd name="connsiteY2" fmla="*/ 3618582 h 5560011"/>
+              <a:gd name="connsiteX3" fmla="*/ 3672600 w 5766171"/>
+              <a:gd name="connsiteY3" fmla="*/ 2638686 h 5560011"/>
+              <a:gd name="connsiteX4" fmla="*/ 4875297 w 5766171"/>
+              <a:gd name="connsiteY4" fmla="*/ 1283439 h 5560011"/>
+              <a:gd name="connsiteX5" fmla="*/ 5766171 w 5766171"/>
+              <a:gd name="connsiteY5" fmla="*/ 0 h 5560011"/>
+              <a:gd name="connsiteX0" fmla="*/ 0 w 5766171"/>
+              <a:gd name="connsiteY0" fmla="*/ 5560011 h 5560011"/>
+              <a:gd name="connsiteX1" fmla="*/ 1367624 w 5766171"/>
+              <a:gd name="connsiteY1" fmla="*/ 4574050 h 5560011"/>
+              <a:gd name="connsiteX2" fmla="*/ 2543434 w 5766171"/>
+              <a:gd name="connsiteY2" fmla="*/ 3656289 h 5560011"/>
+              <a:gd name="connsiteX3" fmla="*/ 3672600 w 5766171"/>
+              <a:gd name="connsiteY3" fmla="*/ 2638686 h 5560011"/>
+              <a:gd name="connsiteX4" fmla="*/ 4875297 w 5766171"/>
+              <a:gd name="connsiteY4" fmla="*/ 1283439 h 5560011"/>
+              <a:gd name="connsiteX5" fmla="*/ 5766171 w 5766171"/>
+              <a:gd name="connsiteY5" fmla="*/ 0 h 5560011"/>
+              <a:gd name="connsiteX0" fmla="*/ 0 w 5766171"/>
+              <a:gd name="connsiteY0" fmla="*/ 5560011 h 5560011"/>
+              <a:gd name="connsiteX1" fmla="*/ 1377051 w 5766171"/>
+              <a:gd name="connsiteY1" fmla="*/ 4621184 h 5560011"/>
+              <a:gd name="connsiteX2" fmla="*/ 2543434 w 5766171"/>
+              <a:gd name="connsiteY2" fmla="*/ 3656289 h 5560011"/>
+              <a:gd name="connsiteX3" fmla="*/ 3672600 w 5766171"/>
+              <a:gd name="connsiteY3" fmla="*/ 2638686 h 5560011"/>
+              <a:gd name="connsiteX4" fmla="*/ 4875297 w 5766171"/>
+              <a:gd name="connsiteY4" fmla="*/ 1283439 h 5560011"/>
+              <a:gd name="connsiteX5" fmla="*/ 5766171 w 5766171"/>
+              <a:gd name="connsiteY5" fmla="*/ 0 h 5560011"/>
+              <a:gd name="connsiteX0" fmla="*/ 0 w 5737890"/>
+              <a:gd name="connsiteY0" fmla="*/ 5578864 h 5578864"/>
+              <a:gd name="connsiteX1" fmla="*/ 1348770 w 5737890"/>
+              <a:gd name="connsiteY1" fmla="*/ 4621184 h 5578864"/>
+              <a:gd name="connsiteX2" fmla="*/ 2515153 w 5737890"/>
+              <a:gd name="connsiteY2" fmla="*/ 3656289 h 5578864"/>
+              <a:gd name="connsiteX3" fmla="*/ 3644319 w 5737890"/>
+              <a:gd name="connsiteY3" fmla="*/ 2638686 h 5578864"/>
+              <a:gd name="connsiteX4" fmla="*/ 4847016 w 5737890"/>
+              <a:gd name="connsiteY4" fmla="*/ 1283439 h 5578864"/>
+              <a:gd name="connsiteX5" fmla="*/ 5737890 w 5737890"/>
+              <a:gd name="connsiteY5" fmla="*/ 0 h 5578864"/>
+              <a:gd name="connsiteX0" fmla="*/ 0 w 5737890"/>
+              <a:gd name="connsiteY0" fmla="*/ 5578864 h 5578864"/>
+              <a:gd name="connsiteX1" fmla="*/ 1348770 w 5737890"/>
+              <a:gd name="connsiteY1" fmla="*/ 4621184 h 5578864"/>
+              <a:gd name="connsiteX2" fmla="*/ 2515153 w 5737890"/>
+              <a:gd name="connsiteY2" fmla="*/ 3656289 h 5578864"/>
+              <a:gd name="connsiteX3" fmla="*/ 3644319 w 5737890"/>
+              <a:gd name="connsiteY3" fmla="*/ 2638686 h 5578864"/>
+              <a:gd name="connsiteX4" fmla="*/ 4781029 w 5737890"/>
+              <a:gd name="connsiteY4" fmla="*/ 1311720 h 5578864"/>
+              <a:gd name="connsiteX5" fmla="*/ 5737890 w 5737890"/>
+              <a:gd name="connsiteY5" fmla="*/ 0 h 5578864"/>
+              <a:gd name="connsiteX0" fmla="*/ 0 w 5737890"/>
+              <a:gd name="connsiteY0" fmla="*/ 5578864 h 5578864"/>
+              <a:gd name="connsiteX1" fmla="*/ 1348770 w 5737890"/>
+              <a:gd name="connsiteY1" fmla="*/ 4621184 h 5578864"/>
+              <a:gd name="connsiteX2" fmla="*/ 2515153 w 5737890"/>
+              <a:gd name="connsiteY2" fmla="*/ 3656289 h 5578864"/>
+              <a:gd name="connsiteX3" fmla="*/ 3691453 w 5737890"/>
+              <a:gd name="connsiteY3" fmla="*/ 2553845 h 5578864"/>
+              <a:gd name="connsiteX4" fmla="*/ 4781029 w 5737890"/>
+              <a:gd name="connsiteY4" fmla="*/ 1311720 h 5578864"/>
+              <a:gd name="connsiteX5" fmla="*/ 5737890 w 5737890"/>
+              <a:gd name="connsiteY5" fmla="*/ 0 h 5578864"/>
+              <a:gd name="connsiteX0" fmla="*/ 0 w 5737890"/>
+              <a:gd name="connsiteY0" fmla="*/ 5578864 h 5578864"/>
+              <a:gd name="connsiteX1" fmla="*/ 1348770 w 5737890"/>
+              <a:gd name="connsiteY1" fmla="*/ 4621184 h 5578864"/>
+              <a:gd name="connsiteX2" fmla="*/ 2590567 w 5737890"/>
+              <a:gd name="connsiteY2" fmla="*/ 3533740 h 5578864"/>
+              <a:gd name="connsiteX3" fmla="*/ 3691453 w 5737890"/>
+              <a:gd name="connsiteY3" fmla="*/ 2553845 h 5578864"/>
+              <a:gd name="connsiteX4" fmla="*/ 4781029 w 5737890"/>
+              <a:gd name="connsiteY4" fmla="*/ 1311720 h 5578864"/>
+              <a:gd name="connsiteX5" fmla="*/ 5737890 w 5737890"/>
+              <a:gd name="connsiteY5" fmla="*/ 0 h 5578864"/>
+              <a:gd name="connsiteX0" fmla="*/ 0 w 5737890"/>
+              <a:gd name="connsiteY0" fmla="*/ 5578864 h 5578864"/>
+              <a:gd name="connsiteX1" fmla="*/ 1348770 w 5737890"/>
+              <a:gd name="connsiteY1" fmla="*/ 4621184 h 5578864"/>
+              <a:gd name="connsiteX2" fmla="*/ 2590567 w 5737890"/>
+              <a:gd name="connsiteY2" fmla="*/ 3533740 h 5578864"/>
+              <a:gd name="connsiteX3" fmla="*/ 3653746 w 5737890"/>
+              <a:gd name="connsiteY3" fmla="*/ 2525565 h 5578864"/>
+              <a:gd name="connsiteX4" fmla="*/ 4781029 w 5737890"/>
+              <a:gd name="connsiteY4" fmla="*/ 1311720 h 5578864"/>
+              <a:gd name="connsiteX5" fmla="*/ 5737890 w 5737890"/>
+              <a:gd name="connsiteY5" fmla="*/ 0 h 5578864"/>
+              <a:gd name="connsiteX0" fmla="*/ 0 w 5737890"/>
+              <a:gd name="connsiteY0" fmla="*/ 5578864 h 5578864"/>
+              <a:gd name="connsiteX1" fmla="*/ 1377051 w 5737890"/>
+              <a:gd name="connsiteY1" fmla="*/ 4564623 h 5578864"/>
+              <a:gd name="connsiteX2" fmla="*/ 2590567 w 5737890"/>
+              <a:gd name="connsiteY2" fmla="*/ 3533740 h 5578864"/>
+              <a:gd name="connsiteX3" fmla="*/ 3653746 w 5737890"/>
+              <a:gd name="connsiteY3" fmla="*/ 2525565 h 5578864"/>
+              <a:gd name="connsiteX4" fmla="*/ 4781029 w 5737890"/>
+              <a:gd name="connsiteY4" fmla="*/ 1311720 h 5578864"/>
+              <a:gd name="connsiteX5" fmla="*/ 5737890 w 5737890"/>
+              <a:gd name="connsiteY5" fmla="*/ 0 h 5578864"/>
+              <a:gd name="connsiteX0" fmla="*/ 0 w 4360839"/>
+              <a:gd name="connsiteY0" fmla="*/ 4564623 h 4564623"/>
+              <a:gd name="connsiteX1" fmla="*/ 1213516 w 4360839"/>
+              <a:gd name="connsiteY1" fmla="*/ 3533740 h 4564623"/>
+              <a:gd name="connsiteX2" fmla="*/ 2276695 w 4360839"/>
+              <a:gd name="connsiteY2" fmla="*/ 2525565 h 4564623"/>
+              <a:gd name="connsiteX3" fmla="*/ 3403978 w 4360839"/>
+              <a:gd name="connsiteY3" fmla="*/ 1311720 h 4564623"/>
+              <a:gd name="connsiteX4" fmla="*/ 4360839 w 4360839"/>
+              <a:gd name="connsiteY4" fmla="*/ 0 h 4564623"/>
+              <a:gd name="connsiteX0" fmla="*/ 0 w 3147323"/>
+              <a:gd name="connsiteY0" fmla="*/ 3533740 h 3533740"/>
+              <a:gd name="connsiteX1" fmla="*/ 1063179 w 3147323"/>
+              <a:gd name="connsiteY1" fmla="*/ 2525565 h 3533740"/>
+              <a:gd name="connsiteX2" fmla="*/ 2190462 w 3147323"/>
+              <a:gd name="connsiteY2" fmla="*/ 1311720 h 3533740"/>
+              <a:gd name="connsiteX3" fmla="*/ 3147323 w 3147323"/>
+              <a:gd name="connsiteY3" fmla="*/ 0 h 3533740"/>
+              <a:gd name="connsiteX0" fmla="*/ 0 w 2084144"/>
+              <a:gd name="connsiteY0" fmla="*/ 2525565 h 2525565"/>
+              <a:gd name="connsiteX1" fmla="*/ 1127283 w 2084144"/>
+              <a:gd name="connsiteY1" fmla="*/ 1311720 h 2525565"/>
+              <a:gd name="connsiteX2" fmla="*/ 2084144 w 2084144"/>
+              <a:gd name="connsiteY2" fmla="*/ 0 h 2525565"/>
+              <a:gd name="connsiteX0" fmla="*/ 0 w 956861"/>
+              <a:gd name="connsiteY0" fmla="*/ 1311720 h 1311720"/>
+              <a:gd name="connsiteX1" fmla="*/ 956861 w 956861"/>
+              <a:gd name="connsiteY1" fmla="*/ 0 h 1311720"/>
+              <a:gd name="connsiteX0" fmla="*/ 0 w 5491154"/>
+              <a:gd name="connsiteY0" fmla="*/ 5214417 h 5214417"/>
+              <a:gd name="connsiteX1" fmla="*/ 5491154 w 5491154"/>
+              <a:gd name="connsiteY1" fmla="*/ 0 h 5214417"/>
+              <a:gd name="connsiteX0" fmla="*/ 377058 w 458451"/>
+              <a:gd name="connsiteY0" fmla="*/ 128003 h 332841"/>
+              <a:gd name="connsiteX1" fmla="*/ 14166 w 458451"/>
+              <a:gd name="connsiteY1" fmla="*/ 305718 h 332841"/>
+              <a:gd name="connsiteX0" fmla="*/ 379801 w 412561"/>
+              <a:gd name="connsiteY0" fmla="*/ 20287 h 238505"/>
+              <a:gd name="connsiteX1" fmla="*/ 16909 w 412561"/>
+              <a:gd name="connsiteY1" fmla="*/ 198002 h 238505"/>
+              <a:gd name="connsiteX0" fmla="*/ 379801 w 412561"/>
+              <a:gd name="connsiteY0" fmla="*/ 20287 h 238505"/>
+              <a:gd name="connsiteX1" fmla="*/ 16909 w 412561"/>
+              <a:gd name="connsiteY1" fmla="*/ 198002 h 238505"/>
+              <a:gd name="connsiteX0" fmla="*/ 306257 w 342447"/>
+              <a:gd name="connsiteY0" fmla="*/ 21792 h 205092"/>
+              <a:gd name="connsiteX1" fmla="*/ 18780 w 342447"/>
+              <a:gd name="connsiteY1" fmla="*/ 161799 h 205092"/>
+              <a:gd name="connsiteX0" fmla="*/ 306010 w 345097"/>
+              <a:gd name="connsiteY0" fmla="*/ 9679 h 196749"/>
+              <a:gd name="connsiteX1" fmla="*/ 18533 w 345097"/>
+              <a:gd name="connsiteY1" fmla="*/ 149686 h 196749"/>
+              <a:gd name="connsiteX0" fmla="*/ 287477 w 351232"/>
+              <a:gd name="connsiteY0" fmla="*/ 19899 h 159906"/>
+              <a:gd name="connsiteX1" fmla="*/ 0 w 351232"/>
+              <a:gd name="connsiteY1" fmla="*/ 159906 h 159906"/>
+              <a:gd name="connsiteX0" fmla="*/ 315757 w 375942"/>
+              <a:gd name="connsiteY0" fmla="*/ 16365 h 203506"/>
+              <a:gd name="connsiteX1" fmla="*/ 0 w 375942"/>
+              <a:gd name="connsiteY1" fmla="*/ 203506 h 203506"/>
+              <a:gd name="connsiteX0" fmla="*/ 315757 w 395342"/>
+              <a:gd name="connsiteY0" fmla="*/ 26453 h 213594"/>
+              <a:gd name="connsiteX1" fmla="*/ 0 w 395342"/>
+              <a:gd name="connsiteY1" fmla="*/ 213594 h 213594"/>
+              <a:gd name="connsiteX0" fmla="*/ 315757 w 315757"/>
+              <a:gd name="connsiteY0" fmla="*/ 0 h 187141"/>
+              <a:gd name="connsiteX1" fmla="*/ 0 w 315757"/>
+              <a:gd name="connsiteY1" fmla="*/ 187141 h 187141"/>
+            </a:gdLst>
+            <a:ahLst/>
+            <a:cxnLst>
+              <a:cxn ang="0">
+                <a:pos x="connsiteX0" y="connsiteY0"/>
+              </a:cxn>
+              <a:cxn ang="0">
+                <a:pos x="connsiteX1" y="connsiteY1"/>
+              </a:cxn>
+            </a:cxnLst>
+            <a:rect l="l" t="t" r="r" b="b"/>
+            <a:pathLst>
+              <a:path w="315757" h="187141">
+                <a:moveTo>
+                  <a:pt x="315757" y="0"/>
+                </a:moveTo>
+                <a:cubicBezTo>
+                  <a:pt x="172920" y="94404"/>
+                  <a:pt x="321291" y="17254"/>
+                  <a:pt x="0" y="187141"/>
+                </a:cubicBezTo>
+              </a:path>
+            </a:pathLst>
+          </a:custGeom>
+          <a:noFill/>
+          <a:ln w="12700">
+            <a:headEnd type="none" w="med" len="med"/>
+            <a:tailEnd type="triangle" w="lg" len="lg"/>
+          </a:ln>
+        </p:spPr>
+        <p:style>
+          <a:lnRef idx="2">
+            <a:schemeClr val="accent1">
+              <a:shade val="50000"/>
+            </a:schemeClr>
+          </a:lnRef>
+          <a:fillRef idx="1">
+            <a:schemeClr val="accent1"/>
+          </a:fillRef>
+          <a:effectRef idx="0">
+            <a:schemeClr val="accent1"/>
+          </a:effectRef>
+          <a:fontRef idx="minor">
+            <a:schemeClr val="lt1"/>
+          </a:fontRef>
+        </p:style>
+        <p:txBody>
+          <a:bodyPr rtlCol="0" anchor="ctr"/>
+          <a:lstStyle/>
+          <a:p>
+            <a:pPr algn="ctr"/>
+            <a:endParaRPr kumimoji="1" lang="ja-JP" altLang="en-US" dirty="0"/>
+          </a:p>
+        </p:txBody>
+      </p:sp>
+      <p:sp>
+        <p:nvSpPr>
+          <p:cNvPr id="6" name="テキスト ボックス 5">
+            <a:extLst>
+              <a:ext uri="{FF2B5EF4-FFF2-40B4-BE49-F238E27FC236}">
+                <a16:creationId xmlns:a16="http://schemas.microsoft.com/office/drawing/2014/main" id="{65277839-08F4-4961-95F2-5A7696DE94A6}"/>
+              </a:ext>
+            </a:extLst>
+          </p:cNvPr>
+          <p:cNvSpPr txBox="1"/>
+          <p:nvPr/>
+        </p:nvSpPr>
+        <p:spPr>
+          <a:xfrm>
+            <a:off x="4911364" y="3319055"/>
+            <a:ext cx="1508289" cy="369332"/>
+          </a:xfrm>
+          <a:prstGeom prst="rect">
+            <a:avLst/>
+          </a:prstGeom>
+          <a:noFill/>
+        </p:spPr>
+        <p:txBody>
+          <a:bodyPr wrap="square" rtlCol="0">
+            <a:noAutofit/>
+          </a:bodyPr>
+          <a:lstStyle/>
+          <a:p>
+            <a:r>
+              <a:rPr kumimoji="1" lang="en-US" altLang="ja-JP" dirty="0"/>
+              <a:t>Const. p</a:t>
+            </a:r>
+            <a:endParaRPr kumimoji="1" lang="ja-JP" altLang="en-US" dirty="0"/>
+          </a:p>
+        </p:txBody>
+      </p:sp>
+      <p:sp>
+        <p:nvSpPr>
+          <p:cNvPr id="7" name="テキスト ボックス 6">
+            <a:extLst>
+              <a:ext uri="{FF2B5EF4-FFF2-40B4-BE49-F238E27FC236}">
+                <a16:creationId xmlns:a16="http://schemas.microsoft.com/office/drawing/2014/main" id="{D2F116A1-D1E6-4878-BB1D-C83E5A53ECB3}"/>
+              </a:ext>
+            </a:extLst>
+          </p:cNvPr>
+          <p:cNvSpPr txBox="1"/>
+          <p:nvPr/>
+        </p:nvSpPr>
+        <p:spPr>
+          <a:xfrm>
+            <a:off x="6930271" y="4496325"/>
+            <a:ext cx="1508289" cy="369332"/>
+          </a:xfrm>
+          <a:prstGeom prst="rect">
+            <a:avLst/>
+          </a:prstGeom>
+          <a:noFill/>
+        </p:spPr>
+        <p:txBody>
+          <a:bodyPr wrap="square" rtlCol="0">
+            <a:noAutofit/>
+          </a:bodyPr>
+          <a:lstStyle/>
+          <a:p>
+            <a:r>
+              <a:rPr kumimoji="1" lang="en-US" altLang="ja-JP" dirty="0"/>
+              <a:t>Const. p</a:t>
+            </a:r>
+            <a:endParaRPr kumimoji="1" lang="ja-JP" altLang="en-US" dirty="0"/>
+          </a:p>
+        </p:txBody>
+      </p:sp>
+    </p:spTree>
+    <p:extLst>
+      <p:ext uri="{BB962C8B-B14F-4D97-AF65-F5344CB8AC3E}">
+        <p14:creationId xmlns:p14="http://schemas.microsoft.com/office/powerpoint/2010/main" val="2748911855"/>
+      </p:ext>
+    </p:extLst>
+  </p:cSld>
+  <p:clrMapOvr>
+    <a:masterClrMapping/>
+  </p:clrMapOvr>
+</p:sld>
+</file>
+
+<file path=ppt/slides/slide6.xml><?xml version="1.0" encoding="utf-8"?>
+<p:sld xmlns:a="http://schemas.openxmlformats.org/drawingml/2006/main" xmlns:r="http://schemas.openxmlformats.org/officeDocument/2006/relationships" xmlns:p="http://schemas.openxmlformats.org/presentationml/2006/main">
+  <p:cSld>
+    <p:spTree>
+      <p:nvGrpSpPr>
+        <p:cNvPr id="1" name=""/>
+        <p:cNvGrpSpPr/>
+        <p:nvPr/>
+      </p:nvGrpSpPr>
+      <p:grpSpPr>
+        <a:xfrm>
+          <a:off x="0" y="0"/>
+          <a:ext cx="0" cy="0"/>
+          <a:chOff x="0" y="0"/>
+          <a:chExt cx="0" cy="0"/>
+        </a:xfrm>
+      </p:grpSpPr>
+      <p:pic>
+        <p:nvPicPr>
+          <p:cNvPr id="3" name="図 2">
+            <a:extLst>
+              <a:ext uri="{FF2B5EF4-FFF2-40B4-BE49-F238E27FC236}">
+                <a16:creationId xmlns:a16="http://schemas.microsoft.com/office/drawing/2014/main" id="{DA984906-4F3F-4B3A-AE9E-14B5FC478766}"/>
+              </a:ext>
+            </a:extLst>
+          </p:cNvPr>
+          <p:cNvPicPr>
+            <a:picLocks noChangeAspect="1"/>
+          </p:cNvPicPr>
+          <p:nvPr/>
+        </p:nvPicPr>
+        <p:blipFill>
+          <a:blip r:embed="rId2">
+            <a:extLst>
+              <a:ext uri="{28A0092B-C50C-407E-A947-70E740481C1C}">
+                <a14:useLocalDpi xmlns:a14="http://schemas.microsoft.com/office/drawing/2010/main" val="0"/>
+              </a:ext>
+            </a:extLst>
+          </a:blip>
+          <a:stretch>
+            <a:fillRect/>
+          </a:stretch>
+        </p:blipFill>
+        <p:spPr>
+          <a:xfrm>
+            <a:off x="2638614" y="0"/>
+            <a:ext cx="6914771" cy="6858000"/>
+          </a:xfrm>
+          <a:prstGeom prst="rect">
+            <a:avLst/>
+          </a:prstGeom>
+        </p:spPr>
+      </p:pic>
+      <p:sp>
+        <p:nvSpPr>
+          <p:cNvPr id="4" name="テキスト ボックス 3">
+            <a:extLst>
+              <a:ext uri="{FF2B5EF4-FFF2-40B4-BE49-F238E27FC236}">
+                <a16:creationId xmlns:a16="http://schemas.microsoft.com/office/drawing/2014/main" id="{FC22518A-2384-46F2-BEFE-24D997044617}"/>
+              </a:ext>
+            </a:extLst>
+          </p:cNvPr>
+          <p:cNvSpPr txBox="1"/>
+          <p:nvPr/>
+        </p:nvSpPr>
+        <p:spPr>
+          <a:xfrm>
+            <a:off x="5260155" y="2583765"/>
+            <a:ext cx="1508289" cy="369332"/>
+          </a:xfrm>
+          <a:prstGeom prst="rect">
+            <a:avLst/>
+          </a:prstGeom>
+          <a:noFill/>
+        </p:spPr>
+        <p:txBody>
+          <a:bodyPr wrap="square" rtlCol="0">
+            <a:noAutofit/>
+          </a:bodyPr>
+          <a:lstStyle/>
+          <a:p>
+            <a:r>
+              <a:rPr kumimoji="1" lang="en-US" altLang="ja-JP" dirty="0"/>
+              <a:t>Const. p</a:t>
+            </a:r>
+            <a:endParaRPr kumimoji="1" lang="ja-JP" altLang="en-US" dirty="0"/>
+          </a:p>
+        </p:txBody>
+      </p:sp>
+      <p:sp>
+        <p:nvSpPr>
+          <p:cNvPr id="5" name="テキスト ボックス 4">
+            <a:extLst>
+              <a:ext uri="{FF2B5EF4-FFF2-40B4-BE49-F238E27FC236}">
+                <a16:creationId xmlns:a16="http://schemas.microsoft.com/office/drawing/2014/main" id="{788E54AA-0CFC-4F78-822D-FB892712BC97}"/>
+              </a:ext>
+            </a:extLst>
+          </p:cNvPr>
+          <p:cNvSpPr txBox="1"/>
+          <p:nvPr/>
+        </p:nvSpPr>
+        <p:spPr>
+          <a:xfrm>
+            <a:off x="6543772" y="3904904"/>
+            <a:ext cx="1508289" cy="369332"/>
+          </a:xfrm>
+          <a:prstGeom prst="rect">
+            <a:avLst/>
+          </a:prstGeom>
+          <a:noFill/>
+        </p:spPr>
+        <p:txBody>
+          <a:bodyPr wrap="square" rtlCol="0">
+            <a:noAutofit/>
+          </a:bodyPr>
+          <a:lstStyle/>
+          <a:p>
+            <a:r>
+              <a:rPr kumimoji="1" lang="en-US" altLang="ja-JP" dirty="0"/>
+              <a:t>Const. p</a:t>
+            </a:r>
+            <a:endParaRPr kumimoji="1" lang="ja-JP" altLang="en-US" dirty="0"/>
+          </a:p>
+        </p:txBody>
+      </p:sp>
+      <p:sp>
+        <p:nvSpPr>
+          <p:cNvPr id="6" name="フリーフォーム: 図形 5">
+            <a:extLst>
+              <a:ext uri="{FF2B5EF4-FFF2-40B4-BE49-F238E27FC236}">
+                <a16:creationId xmlns:a16="http://schemas.microsoft.com/office/drawing/2014/main" id="{AC3B22CF-A6BF-451E-9AEE-79D95855B6F1}"/>
+              </a:ext>
+            </a:extLst>
+          </p:cNvPr>
+          <p:cNvSpPr/>
+          <p:nvPr/>
+        </p:nvSpPr>
+        <p:spPr>
+          <a:xfrm>
+            <a:off x="3412504" y="782425"/>
+            <a:ext cx="5750350" cy="4223209"/>
+          </a:xfrm>
+          <a:custGeom>
+            <a:avLst/>
+            <a:gdLst>
+              <a:gd name="connsiteX0" fmla="*/ 0 w 5756744"/>
+              <a:gd name="connsiteY0" fmla="*/ 5597718 h 5597718"/>
+              <a:gd name="connsiteX1" fmla="*/ 1367624 w 5756744"/>
+              <a:gd name="connsiteY1" fmla="*/ 4611757 h 5597718"/>
+              <a:gd name="connsiteX2" fmla="*/ 3729161 w 5756744"/>
+              <a:gd name="connsiteY2" fmla="*/ 2544418 h 5597718"/>
+              <a:gd name="connsiteX3" fmla="*/ 4969565 w 5756744"/>
+              <a:gd name="connsiteY3" fmla="*/ 1160891 h 5597718"/>
+              <a:gd name="connsiteX4" fmla="*/ 5756744 w 5756744"/>
+              <a:gd name="connsiteY4" fmla="*/ 0 h 5597718"/>
+              <a:gd name="connsiteX0" fmla="*/ 0 w 5766171"/>
+              <a:gd name="connsiteY0" fmla="*/ 5560011 h 5560011"/>
+              <a:gd name="connsiteX1" fmla="*/ 1367624 w 5766171"/>
+              <a:gd name="connsiteY1" fmla="*/ 4574050 h 5560011"/>
+              <a:gd name="connsiteX2" fmla="*/ 3729161 w 5766171"/>
+              <a:gd name="connsiteY2" fmla="*/ 2506711 h 5560011"/>
+              <a:gd name="connsiteX3" fmla="*/ 4969565 w 5766171"/>
+              <a:gd name="connsiteY3" fmla="*/ 1123184 h 5560011"/>
+              <a:gd name="connsiteX4" fmla="*/ 5766171 w 5766171"/>
+              <a:gd name="connsiteY4" fmla="*/ 0 h 5560011"/>
+              <a:gd name="connsiteX0" fmla="*/ 0 w 5766171"/>
+              <a:gd name="connsiteY0" fmla="*/ 5560011 h 5560011"/>
+              <a:gd name="connsiteX1" fmla="*/ 1367624 w 5766171"/>
+              <a:gd name="connsiteY1" fmla="*/ 4574050 h 5560011"/>
+              <a:gd name="connsiteX2" fmla="*/ 3729161 w 5766171"/>
+              <a:gd name="connsiteY2" fmla="*/ 2506711 h 5560011"/>
+              <a:gd name="connsiteX3" fmla="*/ 4875297 w 5766171"/>
+              <a:gd name="connsiteY3" fmla="*/ 1283439 h 5560011"/>
+              <a:gd name="connsiteX4" fmla="*/ 5766171 w 5766171"/>
+              <a:gd name="connsiteY4" fmla="*/ 0 h 5560011"/>
+              <a:gd name="connsiteX0" fmla="*/ 0 w 5766171"/>
+              <a:gd name="connsiteY0" fmla="*/ 5560011 h 5560011"/>
+              <a:gd name="connsiteX1" fmla="*/ 1367624 w 5766171"/>
+              <a:gd name="connsiteY1" fmla="*/ 4574050 h 5560011"/>
+              <a:gd name="connsiteX2" fmla="*/ 3672600 w 5766171"/>
+              <a:gd name="connsiteY2" fmla="*/ 2638686 h 5560011"/>
+              <a:gd name="connsiteX3" fmla="*/ 4875297 w 5766171"/>
+              <a:gd name="connsiteY3" fmla="*/ 1283439 h 5560011"/>
+              <a:gd name="connsiteX4" fmla="*/ 5766171 w 5766171"/>
+              <a:gd name="connsiteY4" fmla="*/ 0 h 5560011"/>
+              <a:gd name="connsiteX0" fmla="*/ 0 w 5766171"/>
+              <a:gd name="connsiteY0" fmla="*/ 5560011 h 5560011"/>
+              <a:gd name="connsiteX1" fmla="*/ 1367624 w 5766171"/>
+              <a:gd name="connsiteY1" fmla="*/ 4574050 h 5560011"/>
+              <a:gd name="connsiteX2" fmla="*/ 2515153 w 5766171"/>
+              <a:gd name="connsiteY2" fmla="*/ 3618582 h 5560011"/>
+              <a:gd name="connsiteX3" fmla="*/ 3672600 w 5766171"/>
+              <a:gd name="connsiteY3" fmla="*/ 2638686 h 5560011"/>
+              <a:gd name="connsiteX4" fmla="*/ 4875297 w 5766171"/>
+              <a:gd name="connsiteY4" fmla="*/ 1283439 h 5560011"/>
+              <a:gd name="connsiteX5" fmla="*/ 5766171 w 5766171"/>
+              <a:gd name="connsiteY5" fmla="*/ 0 h 5560011"/>
+              <a:gd name="connsiteX0" fmla="*/ 0 w 5766171"/>
+              <a:gd name="connsiteY0" fmla="*/ 5560011 h 5560011"/>
+              <a:gd name="connsiteX1" fmla="*/ 1367624 w 5766171"/>
+              <a:gd name="connsiteY1" fmla="*/ 4574050 h 5560011"/>
+              <a:gd name="connsiteX2" fmla="*/ 2543434 w 5766171"/>
+              <a:gd name="connsiteY2" fmla="*/ 3656289 h 5560011"/>
+              <a:gd name="connsiteX3" fmla="*/ 3672600 w 5766171"/>
+              <a:gd name="connsiteY3" fmla="*/ 2638686 h 5560011"/>
+              <a:gd name="connsiteX4" fmla="*/ 4875297 w 5766171"/>
+              <a:gd name="connsiteY4" fmla="*/ 1283439 h 5560011"/>
+              <a:gd name="connsiteX5" fmla="*/ 5766171 w 5766171"/>
+              <a:gd name="connsiteY5" fmla="*/ 0 h 5560011"/>
+              <a:gd name="connsiteX0" fmla="*/ 0 w 5766171"/>
+              <a:gd name="connsiteY0" fmla="*/ 5560011 h 5560011"/>
+              <a:gd name="connsiteX1" fmla="*/ 1377051 w 5766171"/>
+              <a:gd name="connsiteY1" fmla="*/ 4621184 h 5560011"/>
+              <a:gd name="connsiteX2" fmla="*/ 2543434 w 5766171"/>
+              <a:gd name="connsiteY2" fmla="*/ 3656289 h 5560011"/>
+              <a:gd name="connsiteX3" fmla="*/ 3672600 w 5766171"/>
+              <a:gd name="connsiteY3" fmla="*/ 2638686 h 5560011"/>
+              <a:gd name="connsiteX4" fmla="*/ 4875297 w 5766171"/>
+              <a:gd name="connsiteY4" fmla="*/ 1283439 h 5560011"/>
+              <a:gd name="connsiteX5" fmla="*/ 5766171 w 5766171"/>
+              <a:gd name="connsiteY5" fmla="*/ 0 h 5560011"/>
+              <a:gd name="connsiteX0" fmla="*/ 0 w 5737890"/>
+              <a:gd name="connsiteY0" fmla="*/ 5578864 h 5578864"/>
+              <a:gd name="connsiteX1" fmla="*/ 1348770 w 5737890"/>
+              <a:gd name="connsiteY1" fmla="*/ 4621184 h 5578864"/>
+              <a:gd name="connsiteX2" fmla="*/ 2515153 w 5737890"/>
+              <a:gd name="connsiteY2" fmla="*/ 3656289 h 5578864"/>
+              <a:gd name="connsiteX3" fmla="*/ 3644319 w 5737890"/>
+              <a:gd name="connsiteY3" fmla="*/ 2638686 h 5578864"/>
+              <a:gd name="connsiteX4" fmla="*/ 4847016 w 5737890"/>
+              <a:gd name="connsiteY4" fmla="*/ 1283439 h 5578864"/>
+              <a:gd name="connsiteX5" fmla="*/ 5737890 w 5737890"/>
+              <a:gd name="connsiteY5" fmla="*/ 0 h 5578864"/>
+              <a:gd name="connsiteX0" fmla="*/ 0 w 5737890"/>
+              <a:gd name="connsiteY0" fmla="*/ 5578864 h 5578864"/>
+              <a:gd name="connsiteX1" fmla="*/ 1348770 w 5737890"/>
+              <a:gd name="connsiteY1" fmla="*/ 4621184 h 5578864"/>
+              <a:gd name="connsiteX2" fmla="*/ 2515153 w 5737890"/>
+              <a:gd name="connsiteY2" fmla="*/ 3656289 h 5578864"/>
+              <a:gd name="connsiteX3" fmla="*/ 3644319 w 5737890"/>
+              <a:gd name="connsiteY3" fmla="*/ 2638686 h 5578864"/>
+              <a:gd name="connsiteX4" fmla="*/ 4781029 w 5737890"/>
+              <a:gd name="connsiteY4" fmla="*/ 1311720 h 5578864"/>
+              <a:gd name="connsiteX5" fmla="*/ 5737890 w 5737890"/>
+              <a:gd name="connsiteY5" fmla="*/ 0 h 5578864"/>
+              <a:gd name="connsiteX0" fmla="*/ 0 w 5737890"/>
+              <a:gd name="connsiteY0" fmla="*/ 5578864 h 5578864"/>
+              <a:gd name="connsiteX1" fmla="*/ 1348770 w 5737890"/>
+              <a:gd name="connsiteY1" fmla="*/ 4621184 h 5578864"/>
+              <a:gd name="connsiteX2" fmla="*/ 2515153 w 5737890"/>
+              <a:gd name="connsiteY2" fmla="*/ 3656289 h 5578864"/>
+              <a:gd name="connsiteX3" fmla="*/ 3691453 w 5737890"/>
+              <a:gd name="connsiteY3" fmla="*/ 2553845 h 5578864"/>
+              <a:gd name="connsiteX4" fmla="*/ 4781029 w 5737890"/>
+              <a:gd name="connsiteY4" fmla="*/ 1311720 h 5578864"/>
+              <a:gd name="connsiteX5" fmla="*/ 5737890 w 5737890"/>
+              <a:gd name="connsiteY5" fmla="*/ 0 h 5578864"/>
+              <a:gd name="connsiteX0" fmla="*/ 0 w 5737890"/>
+              <a:gd name="connsiteY0" fmla="*/ 5578864 h 5578864"/>
+              <a:gd name="connsiteX1" fmla="*/ 1348770 w 5737890"/>
+              <a:gd name="connsiteY1" fmla="*/ 4621184 h 5578864"/>
+              <a:gd name="connsiteX2" fmla="*/ 2590567 w 5737890"/>
+              <a:gd name="connsiteY2" fmla="*/ 3533740 h 5578864"/>
+              <a:gd name="connsiteX3" fmla="*/ 3691453 w 5737890"/>
+              <a:gd name="connsiteY3" fmla="*/ 2553845 h 5578864"/>
+              <a:gd name="connsiteX4" fmla="*/ 4781029 w 5737890"/>
+              <a:gd name="connsiteY4" fmla="*/ 1311720 h 5578864"/>
+              <a:gd name="connsiteX5" fmla="*/ 5737890 w 5737890"/>
+              <a:gd name="connsiteY5" fmla="*/ 0 h 5578864"/>
+              <a:gd name="connsiteX0" fmla="*/ 0 w 5737890"/>
+              <a:gd name="connsiteY0" fmla="*/ 5578864 h 5578864"/>
+              <a:gd name="connsiteX1" fmla="*/ 1348770 w 5737890"/>
+              <a:gd name="connsiteY1" fmla="*/ 4621184 h 5578864"/>
+              <a:gd name="connsiteX2" fmla="*/ 2590567 w 5737890"/>
+              <a:gd name="connsiteY2" fmla="*/ 3533740 h 5578864"/>
+              <a:gd name="connsiteX3" fmla="*/ 3653746 w 5737890"/>
+              <a:gd name="connsiteY3" fmla="*/ 2525565 h 5578864"/>
+              <a:gd name="connsiteX4" fmla="*/ 4781029 w 5737890"/>
+              <a:gd name="connsiteY4" fmla="*/ 1311720 h 5578864"/>
+              <a:gd name="connsiteX5" fmla="*/ 5737890 w 5737890"/>
+              <a:gd name="connsiteY5" fmla="*/ 0 h 5578864"/>
+              <a:gd name="connsiteX0" fmla="*/ 0 w 5737890"/>
+              <a:gd name="connsiteY0" fmla="*/ 5578864 h 5578864"/>
+              <a:gd name="connsiteX1" fmla="*/ 1377051 w 5737890"/>
+              <a:gd name="connsiteY1" fmla="*/ 4564623 h 5578864"/>
+              <a:gd name="connsiteX2" fmla="*/ 2590567 w 5737890"/>
+              <a:gd name="connsiteY2" fmla="*/ 3533740 h 5578864"/>
+              <a:gd name="connsiteX3" fmla="*/ 3653746 w 5737890"/>
+              <a:gd name="connsiteY3" fmla="*/ 2525565 h 5578864"/>
+              <a:gd name="connsiteX4" fmla="*/ 4781029 w 5737890"/>
+              <a:gd name="connsiteY4" fmla="*/ 1311720 h 5578864"/>
+              <a:gd name="connsiteX5" fmla="*/ 5737890 w 5737890"/>
+              <a:gd name="connsiteY5" fmla="*/ 0 h 5578864"/>
+            </a:gdLst>
+            <a:ahLst/>
+            <a:cxnLst>
+              <a:cxn ang="0">
+                <a:pos x="connsiteX0" y="connsiteY0"/>
+              </a:cxn>
+              <a:cxn ang="0">
+                <a:pos x="connsiteX1" y="connsiteY1"/>
+              </a:cxn>
+              <a:cxn ang="0">
+                <a:pos x="connsiteX2" y="connsiteY2"/>
+              </a:cxn>
+              <a:cxn ang="0">
+                <a:pos x="connsiteX3" y="connsiteY3"/>
+              </a:cxn>
+              <a:cxn ang="0">
+                <a:pos x="connsiteX4" y="connsiteY4"/>
+              </a:cxn>
+              <a:cxn ang="0">
+                <a:pos x="connsiteX5" y="connsiteY5"/>
+              </a:cxn>
+            </a:cxnLst>
+            <a:rect l="l" t="t" r="r" b="b"/>
+            <a:pathLst>
+              <a:path w="5737890" h="5578864">
+                <a:moveTo>
+                  <a:pt x="0" y="5578864"/>
+                </a:moveTo>
+                <a:cubicBezTo>
+                  <a:pt x="373048" y="5340325"/>
+                  <a:pt x="945290" y="4905477"/>
+                  <a:pt x="1377051" y="4564623"/>
+                </a:cubicBezTo>
+                <a:cubicBezTo>
+                  <a:pt x="1808812" y="4223769"/>
+                  <a:pt x="2206404" y="3856301"/>
+                  <a:pt x="2590567" y="3533740"/>
+                </a:cubicBezTo>
+                <a:cubicBezTo>
+                  <a:pt x="2974730" y="3211179"/>
+                  <a:pt x="3288669" y="2895902"/>
+                  <a:pt x="3653746" y="2525565"/>
+                </a:cubicBezTo>
+                <a:cubicBezTo>
+                  <a:pt x="4018823" y="2155228"/>
+                  <a:pt x="4443099" y="1735790"/>
+                  <a:pt x="4781029" y="1311720"/>
+                </a:cubicBezTo>
+                <a:cubicBezTo>
+                  <a:pt x="5118959" y="887650"/>
+                  <a:pt x="5606694" y="178904"/>
+                  <a:pt x="5737890" y="0"/>
+                </a:cubicBezTo>
+              </a:path>
+            </a:pathLst>
+          </a:custGeom>
+          <a:noFill/>
+          <a:ln w="15875">
+            <a:headEnd type="none" w="med" len="med"/>
+            <a:tailEnd type="triangle" w="lg" len="lg"/>
+          </a:ln>
+        </p:spPr>
+        <p:style>
+          <a:lnRef idx="2">
+            <a:schemeClr val="accent1">
+              <a:shade val="50000"/>
+            </a:schemeClr>
+          </a:lnRef>
+          <a:fillRef idx="1">
+            <a:schemeClr val="accent1"/>
+          </a:fillRef>
+          <a:effectRef idx="0">
+            <a:schemeClr val="accent1"/>
+          </a:effectRef>
+          <a:fontRef idx="minor">
+            <a:schemeClr val="lt1"/>
+          </a:fontRef>
+        </p:style>
+        <p:txBody>
+          <a:bodyPr rtlCol="0" anchor="ctr"/>
+          <a:lstStyle/>
+          <a:p>
+            <a:pPr algn="ctr"/>
+            <a:endParaRPr kumimoji="1" lang="ja-JP" altLang="en-US" dirty="0"/>
+          </a:p>
+        </p:txBody>
+      </p:sp>
+      <p:sp>
+        <p:nvSpPr>
+          <p:cNvPr id="7" name="フリーフォーム: 図形 6">
+            <a:extLst>
+              <a:ext uri="{FF2B5EF4-FFF2-40B4-BE49-F238E27FC236}">
+                <a16:creationId xmlns:a16="http://schemas.microsoft.com/office/drawing/2014/main" id="{F52EBC86-29DC-4820-9387-73C3987797D7}"/>
+              </a:ext>
+            </a:extLst>
+          </p:cNvPr>
+          <p:cNvSpPr/>
+          <p:nvPr/>
+        </p:nvSpPr>
+        <p:spPr>
+          <a:xfrm>
+            <a:off x="3412504" y="4818493"/>
+            <a:ext cx="513720" cy="187141"/>
+          </a:xfrm>
+          <a:custGeom>
+            <a:avLst/>
+            <a:gdLst>
+              <a:gd name="connsiteX0" fmla="*/ 0 w 5756744"/>
+              <a:gd name="connsiteY0" fmla="*/ 5597718 h 5597718"/>
+              <a:gd name="connsiteX1" fmla="*/ 1367624 w 5756744"/>
+              <a:gd name="connsiteY1" fmla="*/ 4611757 h 5597718"/>
+              <a:gd name="connsiteX2" fmla="*/ 3729161 w 5756744"/>
+              <a:gd name="connsiteY2" fmla="*/ 2544418 h 5597718"/>
+              <a:gd name="connsiteX3" fmla="*/ 4969565 w 5756744"/>
+              <a:gd name="connsiteY3" fmla="*/ 1160891 h 5597718"/>
+              <a:gd name="connsiteX4" fmla="*/ 5756744 w 5756744"/>
+              <a:gd name="connsiteY4" fmla="*/ 0 h 5597718"/>
+              <a:gd name="connsiteX0" fmla="*/ 0 w 5766171"/>
+              <a:gd name="connsiteY0" fmla="*/ 5560011 h 5560011"/>
+              <a:gd name="connsiteX1" fmla="*/ 1367624 w 5766171"/>
+              <a:gd name="connsiteY1" fmla="*/ 4574050 h 5560011"/>
+              <a:gd name="connsiteX2" fmla="*/ 3729161 w 5766171"/>
+              <a:gd name="connsiteY2" fmla="*/ 2506711 h 5560011"/>
+              <a:gd name="connsiteX3" fmla="*/ 4969565 w 5766171"/>
+              <a:gd name="connsiteY3" fmla="*/ 1123184 h 5560011"/>
+              <a:gd name="connsiteX4" fmla="*/ 5766171 w 5766171"/>
+              <a:gd name="connsiteY4" fmla="*/ 0 h 5560011"/>
+              <a:gd name="connsiteX0" fmla="*/ 0 w 5766171"/>
+              <a:gd name="connsiteY0" fmla="*/ 5560011 h 5560011"/>
+              <a:gd name="connsiteX1" fmla="*/ 1367624 w 5766171"/>
+              <a:gd name="connsiteY1" fmla="*/ 4574050 h 5560011"/>
+              <a:gd name="connsiteX2" fmla="*/ 3729161 w 5766171"/>
+              <a:gd name="connsiteY2" fmla="*/ 2506711 h 5560011"/>
+              <a:gd name="connsiteX3" fmla="*/ 4875297 w 5766171"/>
+              <a:gd name="connsiteY3" fmla="*/ 1283439 h 5560011"/>
+              <a:gd name="connsiteX4" fmla="*/ 5766171 w 5766171"/>
+              <a:gd name="connsiteY4" fmla="*/ 0 h 5560011"/>
+              <a:gd name="connsiteX0" fmla="*/ 0 w 5766171"/>
+              <a:gd name="connsiteY0" fmla="*/ 5560011 h 5560011"/>
+              <a:gd name="connsiteX1" fmla="*/ 1367624 w 5766171"/>
+              <a:gd name="connsiteY1" fmla="*/ 4574050 h 5560011"/>
+              <a:gd name="connsiteX2" fmla="*/ 3672600 w 5766171"/>
+              <a:gd name="connsiteY2" fmla="*/ 2638686 h 5560011"/>
+              <a:gd name="connsiteX3" fmla="*/ 4875297 w 5766171"/>
+              <a:gd name="connsiteY3" fmla="*/ 1283439 h 5560011"/>
+              <a:gd name="connsiteX4" fmla="*/ 5766171 w 5766171"/>
+              <a:gd name="connsiteY4" fmla="*/ 0 h 5560011"/>
+              <a:gd name="connsiteX0" fmla="*/ 0 w 5766171"/>
+              <a:gd name="connsiteY0" fmla="*/ 5560011 h 5560011"/>
+              <a:gd name="connsiteX1" fmla="*/ 1367624 w 5766171"/>
+              <a:gd name="connsiteY1" fmla="*/ 4574050 h 5560011"/>
+              <a:gd name="connsiteX2" fmla="*/ 2515153 w 5766171"/>
+              <a:gd name="connsiteY2" fmla="*/ 3618582 h 5560011"/>
+              <a:gd name="connsiteX3" fmla="*/ 3672600 w 5766171"/>
+              <a:gd name="connsiteY3" fmla="*/ 2638686 h 5560011"/>
+              <a:gd name="connsiteX4" fmla="*/ 4875297 w 5766171"/>
+              <a:gd name="connsiteY4" fmla="*/ 1283439 h 5560011"/>
+              <a:gd name="connsiteX5" fmla="*/ 5766171 w 5766171"/>
+              <a:gd name="connsiteY5" fmla="*/ 0 h 5560011"/>
+              <a:gd name="connsiteX0" fmla="*/ 0 w 5766171"/>
+              <a:gd name="connsiteY0" fmla="*/ 5560011 h 5560011"/>
+              <a:gd name="connsiteX1" fmla="*/ 1367624 w 5766171"/>
+              <a:gd name="connsiteY1" fmla="*/ 4574050 h 5560011"/>
+              <a:gd name="connsiteX2" fmla="*/ 2543434 w 5766171"/>
+              <a:gd name="connsiteY2" fmla="*/ 3656289 h 5560011"/>
+              <a:gd name="connsiteX3" fmla="*/ 3672600 w 5766171"/>
+              <a:gd name="connsiteY3" fmla="*/ 2638686 h 5560011"/>
+              <a:gd name="connsiteX4" fmla="*/ 4875297 w 5766171"/>
+              <a:gd name="connsiteY4" fmla="*/ 1283439 h 5560011"/>
+              <a:gd name="connsiteX5" fmla="*/ 5766171 w 5766171"/>
+              <a:gd name="connsiteY5" fmla="*/ 0 h 5560011"/>
+              <a:gd name="connsiteX0" fmla="*/ 0 w 5766171"/>
+              <a:gd name="connsiteY0" fmla="*/ 5560011 h 5560011"/>
+              <a:gd name="connsiteX1" fmla="*/ 1377051 w 5766171"/>
+              <a:gd name="connsiteY1" fmla="*/ 4621184 h 5560011"/>
+              <a:gd name="connsiteX2" fmla="*/ 2543434 w 5766171"/>
+              <a:gd name="connsiteY2" fmla="*/ 3656289 h 5560011"/>
+              <a:gd name="connsiteX3" fmla="*/ 3672600 w 5766171"/>
+              <a:gd name="connsiteY3" fmla="*/ 2638686 h 5560011"/>
+              <a:gd name="connsiteX4" fmla="*/ 4875297 w 5766171"/>
+              <a:gd name="connsiteY4" fmla="*/ 1283439 h 5560011"/>
+              <a:gd name="connsiteX5" fmla="*/ 5766171 w 5766171"/>
+              <a:gd name="connsiteY5" fmla="*/ 0 h 5560011"/>
+              <a:gd name="connsiteX0" fmla="*/ 0 w 5737890"/>
+              <a:gd name="connsiteY0" fmla="*/ 5578864 h 5578864"/>
+              <a:gd name="connsiteX1" fmla="*/ 1348770 w 5737890"/>
+              <a:gd name="connsiteY1" fmla="*/ 4621184 h 5578864"/>
+              <a:gd name="connsiteX2" fmla="*/ 2515153 w 5737890"/>
+              <a:gd name="connsiteY2" fmla="*/ 3656289 h 5578864"/>
+              <a:gd name="connsiteX3" fmla="*/ 3644319 w 5737890"/>
+              <a:gd name="connsiteY3" fmla="*/ 2638686 h 5578864"/>
+              <a:gd name="connsiteX4" fmla="*/ 4847016 w 5737890"/>
+              <a:gd name="connsiteY4" fmla="*/ 1283439 h 5578864"/>
+              <a:gd name="connsiteX5" fmla="*/ 5737890 w 5737890"/>
+              <a:gd name="connsiteY5" fmla="*/ 0 h 5578864"/>
+              <a:gd name="connsiteX0" fmla="*/ 0 w 5737890"/>
+              <a:gd name="connsiteY0" fmla="*/ 5578864 h 5578864"/>
+              <a:gd name="connsiteX1" fmla="*/ 1348770 w 5737890"/>
+              <a:gd name="connsiteY1" fmla="*/ 4621184 h 5578864"/>
+              <a:gd name="connsiteX2" fmla="*/ 2515153 w 5737890"/>
+              <a:gd name="connsiteY2" fmla="*/ 3656289 h 5578864"/>
+              <a:gd name="connsiteX3" fmla="*/ 3644319 w 5737890"/>
+              <a:gd name="connsiteY3" fmla="*/ 2638686 h 5578864"/>
+              <a:gd name="connsiteX4" fmla="*/ 4781029 w 5737890"/>
+              <a:gd name="connsiteY4" fmla="*/ 1311720 h 5578864"/>
+              <a:gd name="connsiteX5" fmla="*/ 5737890 w 5737890"/>
+              <a:gd name="connsiteY5" fmla="*/ 0 h 5578864"/>
+              <a:gd name="connsiteX0" fmla="*/ 0 w 5737890"/>
+              <a:gd name="connsiteY0" fmla="*/ 5578864 h 5578864"/>
+              <a:gd name="connsiteX1" fmla="*/ 1348770 w 5737890"/>
+              <a:gd name="connsiteY1" fmla="*/ 4621184 h 5578864"/>
+              <a:gd name="connsiteX2" fmla="*/ 2515153 w 5737890"/>
+              <a:gd name="connsiteY2" fmla="*/ 3656289 h 5578864"/>
+              <a:gd name="connsiteX3" fmla="*/ 3691453 w 5737890"/>
+              <a:gd name="connsiteY3" fmla="*/ 2553845 h 5578864"/>
+              <a:gd name="connsiteX4" fmla="*/ 4781029 w 5737890"/>
+              <a:gd name="connsiteY4" fmla="*/ 1311720 h 5578864"/>
+              <a:gd name="connsiteX5" fmla="*/ 5737890 w 5737890"/>
+              <a:gd name="connsiteY5" fmla="*/ 0 h 5578864"/>
+              <a:gd name="connsiteX0" fmla="*/ 0 w 5737890"/>
+              <a:gd name="connsiteY0" fmla="*/ 5578864 h 5578864"/>
+              <a:gd name="connsiteX1" fmla="*/ 1348770 w 5737890"/>
+              <a:gd name="connsiteY1" fmla="*/ 4621184 h 5578864"/>
+              <a:gd name="connsiteX2" fmla="*/ 2590567 w 5737890"/>
+              <a:gd name="connsiteY2" fmla="*/ 3533740 h 5578864"/>
+              <a:gd name="connsiteX3" fmla="*/ 3691453 w 5737890"/>
+              <a:gd name="connsiteY3" fmla="*/ 2553845 h 5578864"/>
+              <a:gd name="connsiteX4" fmla="*/ 4781029 w 5737890"/>
+              <a:gd name="connsiteY4" fmla="*/ 1311720 h 5578864"/>
+              <a:gd name="connsiteX5" fmla="*/ 5737890 w 5737890"/>
+              <a:gd name="connsiteY5" fmla="*/ 0 h 5578864"/>
+              <a:gd name="connsiteX0" fmla="*/ 0 w 5737890"/>
+              <a:gd name="connsiteY0" fmla="*/ 5578864 h 5578864"/>
+              <a:gd name="connsiteX1" fmla="*/ 1348770 w 5737890"/>
+              <a:gd name="connsiteY1" fmla="*/ 4621184 h 5578864"/>
+              <a:gd name="connsiteX2" fmla="*/ 2590567 w 5737890"/>
+              <a:gd name="connsiteY2" fmla="*/ 3533740 h 5578864"/>
+              <a:gd name="connsiteX3" fmla="*/ 3653746 w 5737890"/>
+              <a:gd name="connsiteY3" fmla="*/ 2525565 h 5578864"/>
+              <a:gd name="connsiteX4" fmla="*/ 4781029 w 5737890"/>
+              <a:gd name="connsiteY4" fmla="*/ 1311720 h 5578864"/>
+              <a:gd name="connsiteX5" fmla="*/ 5737890 w 5737890"/>
+              <a:gd name="connsiteY5" fmla="*/ 0 h 5578864"/>
+              <a:gd name="connsiteX0" fmla="*/ 0 w 5737890"/>
+              <a:gd name="connsiteY0" fmla="*/ 5578864 h 5578864"/>
+              <a:gd name="connsiteX1" fmla="*/ 1377051 w 5737890"/>
+              <a:gd name="connsiteY1" fmla="*/ 4564623 h 5578864"/>
+              <a:gd name="connsiteX2" fmla="*/ 2590567 w 5737890"/>
+              <a:gd name="connsiteY2" fmla="*/ 3533740 h 5578864"/>
+              <a:gd name="connsiteX3" fmla="*/ 3653746 w 5737890"/>
+              <a:gd name="connsiteY3" fmla="*/ 2525565 h 5578864"/>
+              <a:gd name="connsiteX4" fmla="*/ 4781029 w 5737890"/>
+              <a:gd name="connsiteY4" fmla="*/ 1311720 h 5578864"/>
+              <a:gd name="connsiteX5" fmla="*/ 5737890 w 5737890"/>
+              <a:gd name="connsiteY5" fmla="*/ 0 h 5578864"/>
+              <a:gd name="connsiteX0" fmla="*/ 0 w 4360839"/>
+              <a:gd name="connsiteY0" fmla="*/ 4564623 h 4564623"/>
+              <a:gd name="connsiteX1" fmla="*/ 1213516 w 4360839"/>
+              <a:gd name="connsiteY1" fmla="*/ 3533740 h 4564623"/>
+              <a:gd name="connsiteX2" fmla="*/ 2276695 w 4360839"/>
+              <a:gd name="connsiteY2" fmla="*/ 2525565 h 4564623"/>
+              <a:gd name="connsiteX3" fmla="*/ 3403978 w 4360839"/>
+              <a:gd name="connsiteY3" fmla="*/ 1311720 h 4564623"/>
+              <a:gd name="connsiteX4" fmla="*/ 4360839 w 4360839"/>
+              <a:gd name="connsiteY4" fmla="*/ 0 h 4564623"/>
+              <a:gd name="connsiteX0" fmla="*/ 0 w 3147323"/>
+              <a:gd name="connsiteY0" fmla="*/ 3533740 h 3533740"/>
+              <a:gd name="connsiteX1" fmla="*/ 1063179 w 3147323"/>
+              <a:gd name="connsiteY1" fmla="*/ 2525565 h 3533740"/>
+              <a:gd name="connsiteX2" fmla="*/ 2190462 w 3147323"/>
+              <a:gd name="connsiteY2" fmla="*/ 1311720 h 3533740"/>
+              <a:gd name="connsiteX3" fmla="*/ 3147323 w 3147323"/>
+              <a:gd name="connsiteY3" fmla="*/ 0 h 3533740"/>
+              <a:gd name="connsiteX0" fmla="*/ 0 w 2084144"/>
+              <a:gd name="connsiteY0" fmla="*/ 2525565 h 2525565"/>
+              <a:gd name="connsiteX1" fmla="*/ 1127283 w 2084144"/>
+              <a:gd name="connsiteY1" fmla="*/ 1311720 h 2525565"/>
+              <a:gd name="connsiteX2" fmla="*/ 2084144 w 2084144"/>
+              <a:gd name="connsiteY2" fmla="*/ 0 h 2525565"/>
+              <a:gd name="connsiteX0" fmla="*/ 0 w 956861"/>
+              <a:gd name="connsiteY0" fmla="*/ 1311720 h 1311720"/>
+              <a:gd name="connsiteX1" fmla="*/ 956861 w 956861"/>
+              <a:gd name="connsiteY1" fmla="*/ 0 h 1311720"/>
+              <a:gd name="connsiteX0" fmla="*/ 0 w 5491154"/>
+              <a:gd name="connsiteY0" fmla="*/ 5214417 h 5214417"/>
+              <a:gd name="connsiteX1" fmla="*/ 5491154 w 5491154"/>
+              <a:gd name="connsiteY1" fmla="*/ 0 h 5214417"/>
+              <a:gd name="connsiteX0" fmla="*/ 377058 w 458451"/>
+              <a:gd name="connsiteY0" fmla="*/ 128003 h 332841"/>
+              <a:gd name="connsiteX1" fmla="*/ 14166 w 458451"/>
+              <a:gd name="connsiteY1" fmla="*/ 305718 h 332841"/>
+              <a:gd name="connsiteX0" fmla="*/ 379801 w 412561"/>
+              <a:gd name="connsiteY0" fmla="*/ 20287 h 238505"/>
+              <a:gd name="connsiteX1" fmla="*/ 16909 w 412561"/>
+              <a:gd name="connsiteY1" fmla="*/ 198002 h 238505"/>
+              <a:gd name="connsiteX0" fmla="*/ 379801 w 412561"/>
+              <a:gd name="connsiteY0" fmla="*/ 20287 h 238505"/>
+              <a:gd name="connsiteX1" fmla="*/ 16909 w 412561"/>
+              <a:gd name="connsiteY1" fmla="*/ 198002 h 238505"/>
+              <a:gd name="connsiteX0" fmla="*/ 306257 w 342447"/>
+              <a:gd name="connsiteY0" fmla="*/ 21792 h 205092"/>
+              <a:gd name="connsiteX1" fmla="*/ 18780 w 342447"/>
+              <a:gd name="connsiteY1" fmla="*/ 161799 h 205092"/>
+              <a:gd name="connsiteX0" fmla="*/ 306010 w 345097"/>
+              <a:gd name="connsiteY0" fmla="*/ 9679 h 196749"/>
+              <a:gd name="connsiteX1" fmla="*/ 18533 w 345097"/>
+              <a:gd name="connsiteY1" fmla="*/ 149686 h 196749"/>
+              <a:gd name="connsiteX0" fmla="*/ 287477 w 351232"/>
+              <a:gd name="connsiteY0" fmla="*/ 19899 h 159906"/>
+              <a:gd name="connsiteX1" fmla="*/ 0 w 351232"/>
+              <a:gd name="connsiteY1" fmla="*/ 159906 h 159906"/>
+              <a:gd name="connsiteX0" fmla="*/ 315757 w 375942"/>
+              <a:gd name="connsiteY0" fmla="*/ 16365 h 203506"/>
+              <a:gd name="connsiteX1" fmla="*/ 0 w 375942"/>
+              <a:gd name="connsiteY1" fmla="*/ 203506 h 203506"/>
+              <a:gd name="connsiteX0" fmla="*/ 315757 w 395342"/>
+              <a:gd name="connsiteY0" fmla="*/ 26453 h 213594"/>
+              <a:gd name="connsiteX1" fmla="*/ 0 w 395342"/>
+              <a:gd name="connsiteY1" fmla="*/ 213594 h 213594"/>
+              <a:gd name="connsiteX0" fmla="*/ 466586 w 524393"/>
+              <a:gd name="connsiteY0" fmla="*/ 17155 h 298564"/>
+              <a:gd name="connsiteX1" fmla="*/ 0 w 524393"/>
+              <a:gd name="connsiteY1" fmla="*/ 298564 h 298564"/>
+              <a:gd name="connsiteX0" fmla="*/ 466586 w 466586"/>
+              <a:gd name="connsiteY0" fmla="*/ 0 h 281409"/>
+              <a:gd name="connsiteX1" fmla="*/ 0 w 466586"/>
+              <a:gd name="connsiteY1" fmla="*/ 281409 h 281409"/>
+              <a:gd name="connsiteX0" fmla="*/ 466586 w 466586"/>
+              <a:gd name="connsiteY0" fmla="*/ 0 h 262555"/>
+              <a:gd name="connsiteX1" fmla="*/ 0 w 466586"/>
+              <a:gd name="connsiteY1" fmla="*/ 262555 h 262555"/>
+              <a:gd name="connsiteX0" fmla="*/ 466586 w 466586"/>
+              <a:gd name="connsiteY0" fmla="*/ 0 h 262555"/>
+              <a:gd name="connsiteX1" fmla="*/ 0 w 466586"/>
+              <a:gd name="connsiteY1" fmla="*/ 262555 h 262555"/>
+              <a:gd name="connsiteX0" fmla="*/ 513720 w 513720"/>
+              <a:gd name="connsiteY0" fmla="*/ 0 h 187141"/>
+              <a:gd name="connsiteX1" fmla="*/ 0 w 513720"/>
+              <a:gd name="connsiteY1" fmla="*/ 187141 h 187141"/>
+              <a:gd name="connsiteX0" fmla="*/ 513720 w 513720"/>
+              <a:gd name="connsiteY0" fmla="*/ 0 h 187141"/>
+              <a:gd name="connsiteX1" fmla="*/ 0 w 513720"/>
+              <a:gd name="connsiteY1" fmla="*/ 187141 h 187141"/>
+              <a:gd name="connsiteX0" fmla="*/ 513720 w 513720"/>
+              <a:gd name="connsiteY0" fmla="*/ 0 h 187141"/>
+              <a:gd name="connsiteX1" fmla="*/ 0 w 513720"/>
+              <a:gd name="connsiteY1" fmla="*/ 187141 h 187141"/>
+            </a:gdLst>
+            <a:ahLst/>
+            <a:cxnLst>
+              <a:cxn ang="0">
+                <a:pos x="connsiteX0" y="connsiteY0"/>
+              </a:cxn>
+              <a:cxn ang="0">
+                <a:pos x="connsiteX1" y="connsiteY1"/>
+              </a:cxn>
+            </a:cxnLst>
+            <a:rect l="l" t="t" r="r" b="b"/>
+            <a:pathLst>
+              <a:path w="513720" h="187141">
+                <a:moveTo>
+                  <a:pt x="513720" y="0"/>
+                </a:moveTo>
+                <a:cubicBezTo>
+                  <a:pt x="323749" y="94405"/>
+                  <a:pt x="330718" y="73815"/>
+                  <a:pt x="0" y="187141"/>
+                </a:cubicBezTo>
+              </a:path>
+            </a:pathLst>
+          </a:custGeom>
+          <a:noFill/>
+          <a:ln w="12700">
+            <a:headEnd type="none" w="med" len="med"/>
+            <a:tailEnd type="triangle" w="lg" len="lg"/>
+          </a:ln>
+        </p:spPr>
+        <p:style>
+          <a:lnRef idx="2">
+            <a:schemeClr val="accent1">
+              <a:shade val="50000"/>
+            </a:schemeClr>
+          </a:lnRef>
+          <a:fillRef idx="1">
+            <a:schemeClr val="accent1"/>
+          </a:fillRef>
+          <a:effectRef idx="0">
+            <a:schemeClr val="accent1"/>
+          </a:effectRef>
+          <a:fontRef idx="minor">
+            <a:schemeClr val="lt1"/>
+          </a:fontRef>
+        </p:style>
+        <p:txBody>
+          <a:bodyPr rtlCol="0" anchor="ctr"/>
+          <a:lstStyle/>
+          <a:p>
+            <a:pPr algn="ctr"/>
+            <a:endParaRPr kumimoji="1" lang="ja-JP" altLang="en-US" dirty="0"/>
+          </a:p>
+        </p:txBody>
+      </p:sp>
+    </p:spTree>
+    <p:extLst>
+      <p:ext uri="{BB962C8B-B14F-4D97-AF65-F5344CB8AC3E}">
+        <p14:creationId xmlns:p14="http://schemas.microsoft.com/office/powerpoint/2010/main" val="3698497183"/>
+      </p:ext>
+    </p:extLst>
+  </p:cSld>
+  <p:clrMapOvr>
+    <a:masterClrMapping/>
+  </p:clrMapOvr>
+</p:sld>
+</file>
+
+<file path=ppt/slides/slide7.xml><?xml version="1.0" encoding="utf-8"?>
 <p:sld xmlns:a="http://schemas.openxmlformats.org/drawingml/2006/main" xmlns:r="http://schemas.openxmlformats.org/officeDocument/2006/relationships" xmlns:p="http://schemas.openxmlformats.org/presentationml/2006/main">
   <p:cSld>
     <p:spTree>
